--- a/trabajo/ppt/Servidores web de altas prestaciones en entornos virtualizados.pptx
+++ b/trabajo/ppt/Servidores web de altas prestaciones en entornos virtualizados.pptx
@@ -9,8 +9,8 @@
     <p:sldId id="257" r:id="rId3"/>
     <p:sldId id="258" r:id="rId4"/>
     <p:sldId id="259" r:id="rId5"/>
-    <p:sldId id="260" r:id="rId6"/>
-    <p:sldId id="264" r:id="rId7"/>
+    <p:sldId id="264" r:id="rId6"/>
+    <p:sldId id="260" r:id="rId7"/>
     <p:sldId id="265" r:id="rId8"/>
     <p:sldId id="266" r:id="rId9"/>
     <p:sldId id="267" r:id="rId10"/>
@@ -300,7 +300,7 @@
           <a:p>
             <a:fld id="{6519E9D0-2B62-4606-BBEB-1C22B968E8ED}" type="datetimeFigureOut">
               <a:rPr lang="es-ES" smtClean="0"/>
-              <a:t>04/05/2018</a:t>
+              <a:t>06/05/2018</a:t>
             </a:fld>
             <a:endParaRPr lang="es-ES"/>
           </a:p>
@@ -470,7 +470,7 @@
           <a:p>
             <a:fld id="{6519E9D0-2B62-4606-BBEB-1C22B968E8ED}" type="datetimeFigureOut">
               <a:rPr lang="es-ES" smtClean="0"/>
-              <a:t>04/05/2018</a:t>
+              <a:t>06/05/2018</a:t>
             </a:fld>
             <a:endParaRPr lang="es-ES"/>
           </a:p>
@@ -650,7 +650,7 @@
           <a:p>
             <a:fld id="{6519E9D0-2B62-4606-BBEB-1C22B968E8ED}" type="datetimeFigureOut">
               <a:rPr lang="es-ES" smtClean="0"/>
-              <a:t>04/05/2018</a:t>
+              <a:t>06/05/2018</a:t>
             </a:fld>
             <a:endParaRPr lang="es-ES"/>
           </a:p>
@@ -820,7 +820,7 @@
           <a:p>
             <a:fld id="{6519E9D0-2B62-4606-BBEB-1C22B968E8ED}" type="datetimeFigureOut">
               <a:rPr lang="es-ES" smtClean="0"/>
-              <a:t>04/05/2018</a:t>
+              <a:t>06/05/2018</a:t>
             </a:fld>
             <a:endParaRPr lang="es-ES"/>
           </a:p>
@@ -1066,7 +1066,7 @@
           <a:p>
             <a:fld id="{6519E9D0-2B62-4606-BBEB-1C22B968E8ED}" type="datetimeFigureOut">
               <a:rPr lang="es-ES" smtClean="0"/>
-              <a:t>04/05/2018</a:t>
+              <a:t>06/05/2018</a:t>
             </a:fld>
             <a:endParaRPr lang="es-ES"/>
           </a:p>
@@ -1354,7 +1354,7 @@
           <a:p>
             <a:fld id="{6519E9D0-2B62-4606-BBEB-1C22B968E8ED}" type="datetimeFigureOut">
               <a:rPr lang="es-ES" smtClean="0"/>
-              <a:t>04/05/2018</a:t>
+              <a:t>06/05/2018</a:t>
             </a:fld>
             <a:endParaRPr lang="es-ES"/>
           </a:p>
@@ -1776,7 +1776,7 @@
           <a:p>
             <a:fld id="{6519E9D0-2B62-4606-BBEB-1C22B968E8ED}" type="datetimeFigureOut">
               <a:rPr lang="es-ES" smtClean="0"/>
-              <a:t>04/05/2018</a:t>
+              <a:t>06/05/2018</a:t>
             </a:fld>
             <a:endParaRPr lang="es-ES"/>
           </a:p>
@@ -1894,7 +1894,7 @@
           <a:p>
             <a:fld id="{6519E9D0-2B62-4606-BBEB-1C22B968E8ED}" type="datetimeFigureOut">
               <a:rPr lang="es-ES" smtClean="0"/>
-              <a:t>04/05/2018</a:t>
+              <a:t>06/05/2018</a:t>
             </a:fld>
             <a:endParaRPr lang="es-ES"/>
           </a:p>
@@ -1989,7 +1989,7 @@
           <a:p>
             <a:fld id="{6519E9D0-2B62-4606-BBEB-1C22B968E8ED}" type="datetimeFigureOut">
               <a:rPr lang="es-ES" smtClean="0"/>
-              <a:t>04/05/2018</a:t>
+              <a:t>06/05/2018</a:t>
             </a:fld>
             <a:endParaRPr lang="es-ES"/>
           </a:p>
@@ -2266,7 +2266,7 @@
           <a:p>
             <a:fld id="{6519E9D0-2B62-4606-BBEB-1C22B968E8ED}" type="datetimeFigureOut">
               <a:rPr lang="es-ES" smtClean="0"/>
-              <a:t>04/05/2018</a:t>
+              <a:t>06/05/2018</a:t>
             </a:fld>
             <a:endParaRPr lang="es-ES"/>
           </a:p>
@@ -2519,7 +2519,7 @@
           <a:p>
             <a:fld id="{6519E9D0-2B62-4606-BBEB-1C22B968E8ED}" type="datetimeFigureOut">
               <a:rPr lang="es-ES" smtClean="0"/>
-              <a:t>04/05/2018</a:t>
+              <a:t>06/05/2018</a:t>
             </a:fld>
             <a:endParaRPr lang="es-ES"/>
           </a:p>
@@ -2742,7 +2742,7 @@
           <a:p>
             <a:fld id="{6519E9D0-2B62-4606-BBEB-1C22B968E8ED}" type="datetimeFigureOut">
               <a:rPr lang="es-ES" smtClean="0"/>
-              <a:t>04/05/2018</a:t>
+              <a:t>06/05/2018</a:t>
             </a:fld>
             <a:endParaRPr lang="es-ES"/>
           </a:p>
@@ -3967,46 +3967,315 @@
       </p:grpSpPr>
       <p:sp>
         <p:nvSpPr>
-          <p:cNvPr id="2" name="1 Título"/>
-          <p:cNvSpPr>
-            <a:spLocks noGrp="1"/>
-          </p:cNvSpPr>
-          <p:nvPr>
-            <p:ph type="ctrTitle"/>
-          </p:nvPr>
-        </p:nvSpPr>
-        <p:spPr/>
-        <p:txBody>
-          <a:bodyPr/>
-          <a:lstStyle/>
-          <a:p>
-            <a:endParaRPr lang="es-ES"/>
-          </a:p>
-        </p:txBody>
-      </p:sp>
-      <p:sp>
-        <p:nvSpPr>
-          <p:cNvPr id="3" name="2 Subtítulo"/>
-          <p:cNvSpPr>
-            <a:spLocks noGrp="1"/>
-          </p:cNvSpPr>
-          <p:nvPr>
-            <p:ph type="subTitle" idx="1"/>
-          </p:nvPr>
-        </p:nvSpPr>
-        <p:spPr/>
-        <p:txBody>
-          <a:bodyPr/>
-          <a:lstStyle/>
-          <a:p>
+          <p:cNvPr id="5" name="4 Marcador de texto"/>
+          <p:cNvSpPr>
+            <a:spLocks noGrp="1"/>
+          </p:cNvSpPr>
+          <p:nvPr>
+            <p:ph type="body" idx="1"/>
+          </p:nvPr>
+        </p:nvSpPr>
+        <p:spPr>
+          <a:xfrm>
+            <a:off x="395536" y="332656"/>
+            <a:ext cx="4040188" cy="639762"/>
+          </a:xfrm>
+        </p:spPr>
+        <p:txBody>
+          <a:bodyPr/>
+          <a:lstStyle/>
+          <a:p>
+            <a:pPr algn="ctr"/>
+            <a:r>
+              <a:rPr lang="es-ES" dirty="0" smtClean="0"/>
+              <a:t>Ventajas</a:t>
+            </a:r>
             <a:endParaRPr lang="es-ES" dirty="0"/>
+          </a:p>
+        </p:txBody>
+      </p:sp>
+      <p:sp>
+        <p:nvSpPr>
+          <p:cNvPr id="6" name="5 Marcador de contenido"/>
+          <p:cNvSpPr>
+            <a:spLocks noGrp="1"/>
+          </p:cNvSpPr>
+          <p:nvPr>
+            <p:ph sz="half" idx="2"/>
+          </p:nvPr>
+        </p:nvSpPr>
+        <p:spPr>
+          <a:xfrm>
+            <a:off x="395536" y="1124744"/>
+            <a:ext cx="4032448" cy="5001419"/>
+          </a:xfrm>
+        </p:spPr>
+        <p:txBody>
+          <a:bodyPr>
+            <a:normAutofit/>
+          </a:bodyPr>
+          <a:lstStyle/>
+          <a:p>
+            <a:pPr algn="just"/>
+            <a:r>
+              <a:rPr lang="es-ES" sz="1600" b="1" dirty="0"/>
+              <a:t>Seguridad:</a:t>
+            </a:r>
+            <a:r>
+              <a:rPr lang="es-ES" sz="1600" dirty="0"/>
+              <a:t> cada máquina</a:t>
+            </a:r>
+            <a:r>
+              <a:rPr lang="es-ES" sz="1600" b="1" dirty="0"/>
+              <a:t> tiene un acceso </a:t>
+            </a:r>
+            <a:r>
+              <a:rPr lang="es-ES" sz="1600" b="1" dirty="0" smtClean="0"/>
+              <a:t>privilegiado</a:t>
+            </a:r>
+            <a:r>
+              <a:rPr lang="es-ES" sz="1600" dirty="0" smtClean="0"/>
+              <a:t> independiente.</a:t>
+            </a:r>
+          </a:p>
+          <a:p>
+            <a:pPr algn="just"/>
+            <a:r>
+              <a:rPr lang="es-ES" sz="1600" b="1" dirty="0"/>
+              <a:t>Aislamiento:</a:t>
+            </a:r>
+            <a:r>
+              <a:rPr lang="es-ES" sz="1600" dirty="0"/>
+              <a:t> las máquinas virtuales son totalmente independientes</a:t>
+            </a:r>
+            <a:r>
+              <a:rPr lang="es-ES" sz="1600" dirty="0" smtClean="0"/>
+              <a:t>, entre </a:t>
+            </a:r>
+            <a:r>
+              <a:rPr lang="es-ES" sz="1600" dirty="0"/>
+              <a:t>sí y con el </a:t>
+            </a:r>
+            <a:r>
+              <a:rPr lang="es-ES" sz="1600" dirty="0" err="1"/>
+              <a:t>hypervisor</a:t>
+            </a:r>
+            <a:r>
+              <a:rPr lang="es-ES" sz="1600" dirty="0" smtClean="0"/>
+              <a:t>.</a:t>
+            </a:r>
+          </a:p>
+          <a:p>
+            <a:pPr algn="just"/>
+            <a:r>
+              <a:rPr lang="es-ES" sz="1600" b="1" dirty="0" smtClean="0"/>
+              <a:t>Portabilidad </a:t>
+            </a:r>
+            <a:r>
+              <a:rPr lang="es-ES" sz="1600" dirty="0" smtClean="0"/>
+              <a:t>y </a:t>
+            </a:r>
+            <a:r>
+              <a:rPr lang="es-ES" sz="1600" b="1" dirty="0" smtClean="0"/>
+              <a:t>recuperación:</a:t>
+            </a:r>
+            <a:r>
+              <a:rPr lang="es-ES" sz="1600" dirty="0"/>
+              <a:t> </a:t>
+            </a:r>
+            <a:r>
+              <a:rPr lang="es-ES" sz="1600" dirty="0" smtClean="0"/>
+              <a:t>gracias a las </a:t>
+            </a:r>
+            <a:r>
+              <a:rPr lang="es-ES" sz="1600" dirty="0" err="1" smtClean="0"/>
+              <a:t>snapshots</a:t>
+            </a:r>
+            <a:r>
+              <a:rPr lang="es-ES" sz="1600" dirty="0" smtClean="0"/>
+              <a:t>.</a:t>
+            </a:r>
+          </a:p>
+          <a:p>
+            <a:pPr algn="just"/>
+            <a:r>
+              <a:rPr lang="es-ES" sz="1600" b="1" dirty="0" smtClean="0"/>
+              <a:t>Flexibilidad: </a:t>
+            </a:r>
+            <a:r>
+              <a:rPr lang="es-ES" sz="1600" dirty="0"/>
+              <a:t>podemos crear las máquinas virtuales con las características de CPU, memoria, disco y red que </a:t>
+            </a:r>
+            <a:r>
+              <a:rPr lang="es-ES" sz="1600" dirty="0" smtClean="0"/>
+              <a:t>necesitemos.</a:t>
+            </a:r>
+            <a:endParaRPr lang="es-ES" sz="1600" b="1" dirty="0" smtClean="0"/>
+          </a:p>
+          <a:p>
+            <a:pPr algn="just"/>
+            <a:r>
+              <a:rPr lang="es-ES" sz="1600" b="1" dirty="0" smtClean="0"/>
+              <a:t>Agilidad: </a:t>
+            </a:r>
+            <a:r>
+              <a:rPr lang="es-ES" sz="1600" dirty="0"/>
+              <a:t>la creación de una máquina virtual es un proceso muy </a:t>
+            </a:r>
+            <a:r>
+              <a:rPr lang="es-ES" sz="1600" dirty="0" smtClean="0"/>
+              <a:t>rápido.</a:t>
+            </a:r>
+          </a:p>
+          <a:p>
+            <a:pPr algn="just"/>
+            <a:r>
+              <a:rPr lang="es-ES" sz="1600" b="1" dirty="0" smtClean="0"/>
+              <a:t>Reducción de costes:</a:t>
+            </a:r>
+            <a:r>
+              <a:rPr lang="es-ES" sz="1600" dirty="0" smtClean="0"/>
+              <a:t> hardware, mantenimiento, energía, …</a:t>
+            </a:r>
+            <a:endParaRPr lang="es-ES" sz="1600" b="1" dirty="0" smtClean="0"/>
+          </a:p>
+          <a:p>
+            <a:pPr algn="just"/>
+            <a:r>
+              <a:rPr lang="es-ES" sz="1600" b="1" dirty="0" smtClean="0"/>
+              <a:t>Eficiencia: </a:t>
+            </a:r>
+            <a:r>
+              <a:rPr lang="es-ES" sz="1600" dirty="0" smtClean="0"/>
+              <a:t>reduciendo el tiempo de inactividad de los servidores.</a:t>
+            </a:r>
+          </a:p>
+          <a:p>
+            <a:pPr algn="just"/>
+            <a:r>
+              <a:rPr lang="es-ES" sz="1600" b="1" dirty="0" smtClean="0"/>
+              <a:t>Administración más sencilla.</a:t>
+            </a:r>
+            <a:endParaRPr lang="es-ES" sz="1600" b="1" dirty="0"/>
+          </a:p>
+        </p:txBody>
+      </p:sp>
+      <p:sp>
+        <p:nvSpPr>
+          <p:cNvPr id="7" name="6 Marcador de texto"/>
+          <p:cNvSpPr>
+            <a:spLocks noGrp="1"/>
+          </p:cNvSpPr>
+          <p:nvPr>
+            <p:ph type="body" sz="quarter" idx="3"/>
+          </p:nvPr>
+        </p:nvSpPr>
+        <p:spPr>
+          <a:xfrm>
+            <a:off x="4644008" y="332656"/>
+            <a:ext cx="4041775" cy="639762"/>
+          </a:xfrm>
+        </p:spPr>
+        <p:txBody>
+          <a:bodyPr/>
+          <a:lstStyle/>
+          <a:p>
+            <a:pPr algn="ctr"/>
+            <a:r>
+              <a:rPr lang="es-ES" dirty="0" smtClean="0"/>
+              <a:t>Inconvenientes</a:t>
+            </a:r>
+            <a:endParaRPr lang="es-ES" dirty="0"/>
+          </a:p>
+        </p:txBody>
+      </p:sp>
+      <p:sp>
+        <p:nvSpPr>
+          <p:cNvPr id="8" name="7 Marcador de contenido"/>
+          <p:cNvSpPr>
+            <a:spLocks noGrp="1"/>
+          </p:cNvSpPr>
+          <p:nvPr>
+            <p:ph sz="quarter" idx="4"/>
+          </p:nvPr>
+        </p:nvSpPr>
+        <p:spPr>
+          <a:xfrm>
+            <a:off x="4645025" y="1124744"/>
+            <a:ext cx="4041775" cy="5001419"/>
+          </a:xfrm>
+        </p:spPr>
+        <p:txBody>
+          <a:bodyPr>
+            <a:normAutofit/>
+          </a:bodyPr>
+          <a:lstStyle/>
+          <a:p>
+            <a:pPr algn="just"/>
+            <a:r>
+              <a:rPr lang="es-ES" sz="1600" b="1" dirty="0" smtClean="0"/>
+              <a:t>Aumento de los costos iniciales: </a:t>
+            </a:r>
+            <a:r>
+              <a:rPr lang="es-ES" sz="1600" dirty="0" smtClean="0"/>
+              <a:t>software, estudios previos, …</a:t>
+            </a:r>
+          </a:p>
+          <a:p>
+            <a:pPr algn="just"/>
+            <a:r>
+              <a:rPr lang="es-ES" sz="1600" b="1" dirty="0" smtClean="0"/>
+              <a:t>Entorno virtual:</a:t>
+            </a:r>
+            <a:r>
+              <a:rPr lang="es-ES" sz="1600" dirty="0" smtClean="0"/>
+              <a:t> necesidad de aprender a manejarlo. Nuevas herramientas.</a:t>
+            </a:r>
+          </a:p>
+          <a:p>
+            <a:pPr algn="just"/>
+            <a:r>
+              <a:rPr lang="es-ES" sz="1600" b="1" dirty="0" smtClean="0"/>
+              <a:t>Menor rendimiento:</a:t>
+            </a:r>
+            <a:r>
+              <a:rPr lang="es-ES" sz="1600" dirty="0" smtClean="0"/>
+              <a:t> Debido a que las máquinas no corren directamente sobre el hardware.</a:t>
+            </a:r>
+          </a:p>
+          <a:p>
+            <a:pPr algn="just"/>
+            <a:r>
+              <a:rPr lang="es-ES" sz="1600" b="1" dirty="0" err="1" smtClean="0"/>
+              <a:t>Saturamiento</a:t>
+            </a:r>
+            <a:r>
+              <a:rPr lang="es-ES" sz="1600" b="1" dirty="0" smtClean="0"/>
+              <a:t>:</a:t>
+            </a:r>
+            <a:r>
+              <a:rPr lang="es-ES" sz="1600" dirty="0" smtClean="0"/>
+              <a:t> Un elevado número de VM puede llegar a saturar un servidor.</a:t>
+            </a:r>
+          </a:p>
+          <a:p>
+            <a:pPr algn="just"/>
+            <a:r>
+              <a:rPr lang="es-ES" sz="1600" b="1" dirty="0" smtClean="0"/>
+              <a:t>Degradación: </a:t>
+            </a:r>
+            <a:r>
+              <a:rPr lang="es-ES" sz="1600" dirty="0" smtClean="0"/>
+              <a:t>en las máquinas virtuales y en el almacenamiento.</a:t>
+            </a:r>
+            <a:endParaRPr lang="es-ES" sz="1600" b="1" dirty="0"/>
           </a:p>
         </p:txBody>
       </p:sp>
     </p:spTree>
     <p:extLst>
       <p:ext uri="{BB962C8B-B14F-4D97-AF65-F5344CB8AC3E}">
-        <p14:creationId xmlns:p14="http://schemas.microsoft.com/office/powerpoint/2010/main" val="4015673802"/>
+        <p14:creationId xmlns:p14="http://schemas.microsoft.com/office/powerpoint/2010/main" val="307869657"/>
       </p:ext>
     </p:extLst>
   </p:cSld>
@@ -4035,46 +4304,322 @@
       </p:grpSpPr>
       <p:sp>
         <p:nvSpPr>
-          <p:cNvPr id="2" name="1 Título"/>
-          <p:cNvSpPr>
-            <a:spLocks noGrp="1"/>
-          </p:cNvSpPr>
-          <p:nvPr>
-            <p:ph type="ctrTitle"/>
-          </p:nvPr>
-        </p:nvSpPr>
-        <p:spPr/>
-        <p:txBody>
-          <a:bodyPr/>
-          <a:lstStyle/>
-          <a:p>
-            <a:endParaRPr lang="es-ES"/>
-          </a:p>
-        </p:txBody>
-      </p:sp>
-      <p:sp>
-        <p:nvSpPr>
-          <p:cNvPr id="3" name="2 Subtítulo"/>
-          <p:cNvSpPr>
-            <a:spLocks noGrp="1"/>
-          </p:cNvSpPr>
-          <p:nvPr>
-            <p:ph type="subTitle" idx="1"/>
-          </p:nvPr>
-        </p:nvSpPr>
-        <p:spPr/>
-        <p:txBody>
-          <a:bodyPr/>
-          <a:lstStyle/>
-          <a:p>
+          <p:cNvPr id="4" name="3 Título"/>
+          <p:cNvSpPr>
+            <a:spLocks noGrp="1"/>
+          </p:cNvSpPr>
+          <p:nvPr>
+            <p:ph type="title"/>
+          </p:nvPr>
+        </p:nvSpPr>
+        <p:spPr/>
+        <p:txBody>
+          <a:bodyPr/>
+          <a:lstStyle/>
+          <a:p>
+            <a:r>
+              <a:rPr lang="es-ES" dirty="0" smtClean="0"/>
+              <a:t>Algunos </a:t>
+            </a:r>
+            <a:r>
+              <a:rPr lang="es-ES" dirty="0" err="1" smtClean="0"/>
+              <a:t>hipervisores</a:t>
+            </a:r>
             <a:endParaRPr lang="es-ES" dirty="0"/>
           </a:p>
         </p:txBody>
       </p:sp>
+      <p:pic>
+        <p:nvPicPr>
+          <p:cNvPr id="1026" name="Picture 2" descr="C:\Users\Angel\Dropbox\Universidad\Tercero\Segundo Cuatri\SWAP\trabajo\ppt\Hyper-V-Blog-Cover_qrww7v.png"/>
+          <p:cNvPicPr>
+            <a:picLocks noChangeAspect="1" noChangeArrowheads="1"/>
+          </p:cNvPicPr>
+          <p:nvPr/>
+        </p:nvPicPr>
+        <p:blipFill>
+          <a:blip r:embed="rId2" cstate="print">
+            <a:extLst>
+              <a:ext uri="{28A0092B-C50C-407E-A947-70E740481C1C}">
+                <a14:useLocalDpi xmlns:a14="http://schemas.microsoft.com/office/drawing/2010/main" val="0"/>
+              </a:ext>
+            </a:extLst>
+          </a:blip>
+          <a:srcRect/>
+          <a:stretch>
+            <a:fillRect/>
+          </a:stretch>
+        </p:blipFill>
+        <p:spPr bwMode="auto">
+          <a:xfrm>
+            <a:off x="3901237" y="1383359"/>
+            <a:ext cx="5327394" cy="1183728"/>
+          </a:xfrm>
+          <a:prstGeom prst="rect">
+            <a:avLst/>
+          </a:prstGeom>
+          <a:noFill/>
+          <a:extLst>
+            <a:ext uri="{909E8E84-426E-40DD-AFC4-6F175D3DCCD1}">
+              <a14:hiddenFill xmlns:a14="http://schemas.microsoft.com/office/drawing/2010/main">
+                <a:solidFill>
+                  <a:srgbClr val="FFFFFF"/>
+                </a:solidFill>
+              </a14:hiddenFill>
+            </a:ext>
+          </a:extLst>
+        </p:spPr>
+      </p:pic>
+      <p:pic>
+        <p:nvPicPr>
+          <p:cNvPr id="1028" name="Picture 4" descr="C:\Users\Angel\Dropbox\Universidad\Tercero\Segundo Cuatri\SWAP\trabajo\ppt\vmware-esxi_original_original.png"/>
+          <p:cNvPicPr>
+            <a:picLocks noChangeAspect="1" noChangeArrowheads="1"/>
+          </p:cNvPicPr>
+          <p:nvPr/>
+        </p:nvPicPr>
+        <p:blipFill>
+          <a:blip r:embed="rId3" cstate="print">
+            <a:extLst>
+              <a:ext uri="{28A0092B-C50C-407E-A947-70E740481C1C}">
+                <a14:useLocalDpi xmlns:a14="http://schemas.microsoft.com/office/drawing/2010/main" val="0"/>
+              </a:ext>
+            </a:extLst>
+          </a:blip>
+          <a:srcRect/>
+          <a:stretch>
+            <a:fillRect/>
+          </a:stretch>
+        </p:blipFill>
+        <p:spPr bwMode="auto">
+          <a:xfrm>
+            <a:off x="4211960" y="5254676"/>
+            <a:ext cx="3312634" cy="970432"/>
+          </a:xfrm>
+          <a:prstGeom prst="rect">
+            <a:avLst/>
+          </a:prstGeom>
+          <a:noFill/>
+          <a:extLst>
+            <a:ext uri="{909E8E84-426E-40DD-AFC4-6F175D3DCCD1}">
+              <a14:hiddenFill xmlns:a14="http://schemas.microsoft.com/office/drawing/2010/main">
+                <a:solidFill>
+                  <a:srgbClr val="FFFFFF"/>
+                </a:solidFill>
+              </a14:hiddenFill>
+            </a:ext>
+          </a:extLst>
+        </p:spPr>
+      </p:pic>
+      <p:pic>
+        <p:nvPicPr>
+          <p:cNvPr id="1029" name="Picture 5" descr="C:\Users\Angel\Dropbox\Universidad\Tercero\Segundo Cuatri\SWAP\trabajo\ppt\Virtualbox_logo.png"/>
+          <p:cNvPicPr>
+            <a:picLocks noChangeAspect="1" noChangeArrowheads="1"/>
+          </p:cNvPicPr>
+          <p:nvPr/>
+        </p:nvPicPr>
+        <p:blipFill>
+          <a:blip r:embed="rId4">
+            <a:extLst>
+              <a:ext uri="{28A0092B-C50C-407E-A947-70E740481C1C}">
+                <a14:useLocalDpi xmlns:a14="http://schemas.microsoft.com/office/drawing/2010/main" val="0"/>
+              </a:ext>
+            </a:extLst>
+          </a:blip>
+          <a:srcRect/>
+          <a:stretch>
+            <a:fillRect/>
+          </a:stretch>
+        </p:blipFill>
+        <p:spPr bwMode="auto">
+          <a:xfrm>
+            <a:off x="7092280" y="2583671"/>
+            <a:ext cx="1757561" cy="1757561"/>
+          </a:xfrm>
+          <a:prstGeom prst="rect">
+            <a:avLst/>
+          </a:prstGeom>
+          <a:noFill/>
+          <a:extLst>
+            <a:ext uri="{909E8E84-426E-40DD-AFC4-6F175D3DCCD1}">
+              <a14:hiddenFill xmlns:a14="http://schemas.microsoft.com/office/drawing/2010/main">
+                <a:solidFill>
+                  <a:srgbClr val="FFFFFF"/>
+                </a:solidFill>
+              </a14:hiddenFill>
+            </a:ext>
+          </a:extLst>
+        </p:spPr>
+      </p:pic>
+      <p:pic>
+        <p:nvPicPr>
+          <p:cNvPr id="1030" name="Picture 6" descr="C:\Users\Angel\Dropbox\Universidad\Tercero\Segundo Cuatri\SWAP\trabajo\ppt\proxmox.png"/>
+          <p:cNvPicPr>
+            <a:picLocks noChangeAspect="1" noChangeArrowheads="1"/>
+          </p:cNvPicPr>
+          <p:nvPr/>
+        </p:nvPicPr>
+        <p:blipFill>
+          <a:blip r:embed="rId5" cstate="print">
+            <a:extLst>
+              <a:ext uri="{28A0092B-C50C-407E-A947-70E740481C1C}">
+                <a14:useLocalDpi xmlns:a14="http://schemas.microsoft.com/office/drawing/2010/main" val="0"/>
+              </a:ext>
+            </a:extLst>
+          </a:blip>
+          <a:srcRect/>
+          <a:stretch>
+            <a:fillRect/>
+          </a:stretch>
+        </p:blipFill>
+        <p:spPr bwMode="auto">
+          <a:xfrm>
+            <a:off x="1259632" y="4509120"/>
+            <a:ext cx="1880061" cy="1880061"/>
+          </a:xfrm>
+          <a:prstGeom prst="rect">
+            <a:avLst/>
+          </a:prstGeom>
+          <a:noFill/>
+          <a:extLst>
+            <a:ext uri="{909E8E84-426E-40DD-AFC4-6F175D3DCCD1}">
+              <a14:hiddenFill xmlns:a14="http://schemas.microsoft.com/office/drawing/2010/main">
+                <a:solidFill>
+                  <a:srgbClr val="FFFFFF"/>
+                </a:solidFill>
+              </a14:hiddenFill>
+            </a:ext>
+          </a:extLst>
+        </p:spPr>
+      </p:pic>
+      <p:pic>
+        <p:nvPicPr>
+          <p:cNvPr id="1031" name="Picture 7" descr="C:\Users\Angel\Dropbox\Universidad\Tercero\Segundo Cuatri\SWAP\trabajo\ppt\kvm-logo-square.png"/>
+          <p:cNvPicPr>
+            <a:picLocks noChangeAspect="1" noChangeArrowheads="1"/>
+          </p:cNvPicPr>
+          <p:nvPr/>
+        </p:nvPicPr>
+        <p:blipFill>
+          <a:blip r:embed="rId6" cstate="print">
+            <a:extLst>
+              <a:ext uri="{28A0092B-C50C-407E-A947-70E740481C1C}">
+                <a14:useLocalDpi xmlns:a14="http://schemas.microsoft.com/office/drawing/2010/main" val="0"/>
+              </a:ext>
+            </a:extLst>
+          </a:blip>
+          <a:srcRect/>
+          <a:stretch>
+            <a:fillRect/>
+          </a:stretch>
+        </p:blipFill>
+        <p:spPr bwMode="auto">
+          <a:xfrm>
+            <a:off x="971600" y="3033315"/>
+            <a:ext cx="1524000" cy="1308100"/>
+          </a:xfrm>
+          <a:prstGeom prst="rect">
+            <a:avLst/>
+          </a:prstGeom>
+          <a:noFill/>
+          <a:extLst>
+            <a:ext uri="{909E8E84-426E-40DD-AFC4-6F175D3DCCD1}">
+              <a14:hiddenFill xmlns:a14="http://schemas.microsoft.com/office/drawing/2010/main">
+                <a:solidFill>
+                  <a:srgbClr val="FFFFFF"/>
+                </a:solidFill>
+              </a14:hiddenFill>
+            </a:ext>
+          </a:extLst>
+        </p:spPr>
+      </p:pic>
+      <p:pic>
+        <p:nvPicPr>
+          <p:cNvPr id="1032" name="Picture 8" descr="C:\Users\Angel\Dropbox\Universidad\Tercero\Segundo Cuatri\SWAP\trabajo\ppt\logo-xenserver.png"/>
+          <p:cNvPicPr>
+            <a:picLocks noChangeAspect="1" noChangeArrowheads="1"/>
+          </p:cNvPicPr>
+          <p:nvPr/>
+        </p:nvPicPr>
+        <p:blipFill>
+          <a:blip r:embed="rId7" cstate="print">
+            <a:extLst>
+              <a:ext uri="{28A0092B-C50C-407E-A947-70E740481C1C}">
+                <a14:useLocalDpi xmlns:a14="http://schemas.microsoft.com/office/drawing/2010/main" val="0"/>
+              </a:ext>
+            </a:extLst>
+          </a:blip>
+          <a:srcRect/>
+          <a:stretch>
+            <a:fillRect/>
+          </a:stretch>
+        </p:blipFill>
+        <p:spPr bwMode="auto">
+          <a:xfrm>
+            <a:off x="740013" y="1462040"/>
+            <a:ext cx="3136876" cy="1192013"/>
+          </a:xfrm>
+          <a:prstGeom prst="rect">
+            <a:avLst/>
+          </a:prstGeom>
+          <a:noFill/>
+          <a:extLst>
+            <a:ext uri="{909E8E84-426E-40DD-AFC4-6F175D3DCCD1}">
+              <a14:hiddenFill xmlns:a14="http://schemas.microsoft.com/office/drawing/2010/main">
+                <a:solidFill>
+                  <a:srgbClr val="FFFFFF"/>
+                </a:solidFill>
+              </a14:hiddenFill>
+            </a:ext>
+          </a:extLst>
+        </p:spPr>
+      </p:pic>
+      <p:pic>
+        <p:nvPicPr>
+          <p:cNvPr id="1033" name="Picture 9" descr="C:\Users\Angel\Dropbox\Universidad\Tercero\Segundo Cuatri\SWAP\trabajo\ppt\Qemu_logo.svg.png"/>
+          <p:cNvPicPr>
+            <a:picLocks noChangeAspect="1" noChangeArrowheads="1"/>
+          </p:cNvPicPr>
+          <p:nvPr/>
+        </p:nvPicPr>
+        <p:blipFill>
+          <a:blip r:embed="rId8" cstate="print">
+            <a:extLst>
+              <a:ext uri="{28A0092B-C50C-407E-A947-70E740481C1C}">
+                <a14:useLocalDpi xmlns:a14="http://schemas.microsoft.com/office/drawing/2010/main" val="0"/>
+              </a:ext>
+            </a:extLst>
+          </a:blip>
+          <a:srcRect/>
+          <a:stretch>
+            <a:fillRect/>
+          </a:stretch>
+        </p:blipFill>
+        <p:spPr bwMode="auto">
+          <a:xfrm>
+            <a:off x="3676428" y="3212975"/>
+            <a:ext cx="2983583" cy="948779"/>
+          </a:xfrm>
+          <a:prstGeom prst="rect">
+            <a:avLst/>
+          </a:prstGeom>
+          <a:noFill/>
+          <a:extLst>
+            <a:ext uri="{909E8E84-426E-40DD-AFC4-6F175D3DCCD1}">
+              <a14:hiddenFill xmlns:a14="http://schemas.microsoft.com/office/drawing/2010/main">
+                <a:solidFill>
+                  <a:srgbClr val="FFFFFF"/>
+                </a:solidFill>
+              </a14:hiddenFill>
+            </a:ext>
+          </a:extLst>
+        </p:spPr>
+      </p:pic>
     </p:spTree>
     <p:extLst>
       <p:ext uri="{BB962C8B-B14F-4D97-AF65-F5344CB8AC3E}">
-        <p14:creationId xmlns:p14="http://schemas.microsoft.com/office/powerpoint/2010/main" val="307869657"/>
+        <p14:creationId xmlns:p14="http://schemas.microsoft.com/office/powerpoint/2010/main" val="4015673802"/>
       </p:ext>
     </p:extLst>
   </p:cSld>

--- a/trabajo/ppt/Servidores web de altas prestaciones en entornos virtualizados.pptx
+++ b/trabajo/ppt/Servidores web de altas prestaciones en entornos virtualizados.pptx
@@ -12,12 +12,17 @@
     <p:sldId id="264" r:id="rId6"/>
     <p:sldId id="260" r:id="rId7"/>
     <p:sldId id="265" r:id="rId8"/>
-    <p:sldId id="266" r:id="rId9"/>
-    <p:sldId id="267" r:id="rId10"/>
-    <p:sldId id="268" r:id="rId11"/>
-    <p:sldId id="261" r:id="rId12"/>
-    <p:sldId id="262" r:id="rId13"/>
-    <p:sldId id="263" r:id="rId14"/>
+    <p:sldId id="268" r:id="rId9"/>
+    <p:sldId id="266" r:id="rId10"/>
+    <p:sldId id="267" r:id="rId11"/>
+    <p:sldId id="262" r:id="rId12"/>
+    <p:sldId id="269" r:id="rId13"/>
+    <p:sldId id="261" r:id="rId14"/>
+    <p:sldId id="263" r:id="rId15"/>
+    <p:sldId id="275" r:id="rId16"/>
+    <p:sldId id="270" r:id="rId17"/>
+    <p:sldId id="274" r:id="rId18"/>
+    <p:sldId id="276" r:id="rId19"/>
   </p:sldIdLst>
   <p:sldSz cx="9144000" cy="6858000" type="screen4x3"/>
   <p:notesSz cx="6858000" cy="9144000"/>
@@ -3245,54 +3250,131 @@
           <a:chExt cx="0" cy="0"/>
         </a:xfrm>
       </p:grpSpPr>
-      <p:sp>
-        <p:nvSpPr>
-          <p:cNvPr id="2" name="1 Título"/>
-          <p:cNvSpPr>
-            <a:spLocks noGrp="1"/>
-          </p:cNvSpPr>
-          <p:nvPr>
-            <p:ph type="ctrTitle"/>
-          </p:nvPr>
-        </p:nvSpPr>
-        <p:spPr/>
-        <p:txBody>
-          <a:bodyPr/>
-          <a:lstStyle/>
-          <a:p>
-            <a:endParaRPr lang="es-ES"/>
-          </a:p>
-        </p:txBody>
-      </p:sp>
-      <p:sp>
-        <p:nvSpPr>
-          <p:cNvPr id="3" name="2 Subtítulo"/>
-          <p:cNvSpPr>
-            <a:spLocks noGrp="1"/>
-          </p:cNvSpPr>
-          <p:nvPr>
-            <p:ph type="subTitle" idx="1"/>
-          </p:nvPr>
-        </p:nvSpPr>
-        <p:spPr/>
-        <p:txBody>
-          <a:bodyPr/>
-          <a:lstStyle/>
-          <a:p>
+      <p:pic>
+        <p:nvPicPr>
+          <p:cNvPr id="4098" name="Picture 2" descr="C:\Users\Angel\Dropbox\Universidad\Tercero\Segundo Cuatri\SWAP\trabajo\images\home.PNG"/>
+          <p:cNvPicPr>
+            <a:picLocks noChangeAspect="1" noChangeArrowheads="1"/>
+          </p:cNvPicPr>
+          <p:nvPr/>
+        </p:nvPicPr>
+        <p:blipFill>
+          <a:blip r:embed="rId2">
+            <a:extLst>
+              <a:ext uri="{28A0092B-C50C-407E-A947-70E740481C1C}">
+                <a14:useLocalDpi xmlns:a14="http://schemas.microsoft.com/office/drawing/2010/main" val="0"/>
+              </a:ext>
+            </a:extLst>
+          </a:blip>
+          <a:srcRect/>
+          <a:stretch>
+            <a:fillRect/>
+          </a:stretch>
+        </p:blipFill>
+        <p:spPr bwMode="auto">
+          <a:xfrm>
+            <a:off x="333524" y="1268760"/>
+            <a:ext cx="8433698" cy="4032448"/>
+          </a:xfrm>
+          <a:prstGeom prst="rect">
+            <a:avLst/>
+          </a:prstGeom>
+          <a:noFill/>
+          <a:extLst>
+            <a:ext uri="{909E8E84-426E-40DD-AFC4-6F175D3DCCD1}">
+              <a14:hiddenFill xmlns:a14="http://schemas.microsoft.com/office/drawing/2010/main">
+                <a:solidFill>
+                  <a:srgbClr val="FFFFFF"/>
+                </a:solidFill>
+              </a14:hiddenFill>
+            </a:ext>
+          </a:extLst>
+        </p:spPr>
+      </p:pic>
+      <p:sp>
+        <p:nvSpPr>
+          <p:cNvPr id="4" name="3 Título"/>
+          <p:cNvSpPr>
+            <a:spLocks noGrp="1"/>
+          </p:cNvSpPr>
+          <p:nvPr>
+            <p:ph type="title"/>
+          </p:nvPr>
+        </p:nvSpPr>
+        <p:spPr>
+          <a:xfrm>
+            <a:off x="435573" y="332656"/>
+            <a:ext cx="8229600" cy="868958"/>
+          </a:xfrm>
+        </p:spPr>
+        <p:txBody>
+          <a:bodyPr>
+            <a:normAutofit/>
+          </a:bodyPr>
+          <a:lstStyle/>
+          <a:p>
+            <a:r>
+              <a:rPr lang="es-ES" dirty="0" smtClean="0"/>
+              <a:t>WEB</a:t>
+            </a:r>
             <a:endParaRPr lang="es-ES" dirty="0"/>
+          </a:p>
+        </p:txBody>
+      </p:sp>
+      <p:sp>
+        <p:nvSpPr>
+          <p:cNvPr id="8" name="7 Rectángulo"/>
+          <p:cNvSpPr/>
+          <p:nvPr/>
+        </p:nvSpPr>
+        <p:spPr>
+          <a:xfrm>
+            <a:off x="2066346" y="5805264"/>
+            <a:ext cx="4968054" cy="769441"/>
+          </a:xfrm>
+          <a:prstGeom prst="rect">
+            <a:avLst/>
+          </a:prstGeom>
+        </p:spPr>
+        <p:txBody>
+          <a:bodyPr wrap="square">
+            <a:spAutoFit/>
+          </a:bodyPr>
+          <a:lstStyle/>
+          <a:p>
+            <a:r>
+              <a:rPr lang="es-ES" sz="4400" dirty="0" smtClean="0">
+                <a:hlinkClick r:id="rId3"/>
+              </a:rPr>
+              <a:t>Desarrollo en </a:t>
+            </a:r>
+            <a:r>
+              <a:rPr lang="es-ES" sz="4400" dirty="0" err="1" smtClean="0">
+                <a:hlinkClick r:id="rId3"/>
+              </a:rPr>
+              <a:t>GitHub</a:t>
+            </a:r>
+            <a:endParaRPr lang="es-ES" sz="4400" dirty="0"/>
           </a:p>
         </p:txBody>
       </p:sp>
     </p:spTree>
     <p:extLst>
       <p:ext uri="{BB962C8B-B14F-4D97-AF65-F5344CB8AC3E}">
-        <p14:creationId xmlns:p14="http://schemas.microsoft.com/office/powerpoint/2010/main" val="3035873021"/>
+        <p14:creationId xmlns:p14="http://schemas.microsoft.com/office/powerpoint/2010/main" val="515900898"/>
       </p:ext>
     </p:extLst>
   </p:cSld>
   <p:clrMapOvr>
     <a:masterClrMapping/>
   </p:clrMapOvr>
+  <p:timing>
+    <p:tnLst>
+      <p:par>
+        <p:cTn id="1" dur="indefinite" restart="never" nodeType="tmRoot"/>
+      </p:par>
+    </p:tnLst>
+  </p:timing>
 </p:sld>
 </file>
 
@@ -3323,44 +3405,82 @@
             <p:ph type="ctrTitle"/>
           </p:nvPr>
         </p:nvSpPr>
-        <p:spPr/>
-        <p:txBody>
-          <a:bodyPr/>
-          <a:lstStyle/>
-          <a:p>
-            <a:endParaRPr lang="es-ES"/>
-          </a:p>
-        </p:txBody>
-      </p:sp>
-      <p:sp>
-        <p:nvSpPr>
-          <p:cNvPr id="3" name="2 Subtítulo"/>
-          <p:cNvSpPr>
-            <a:spLocks noGrp="1"/>
-          </p:cNvSpPr>
-          <p:nvPr>
-            <p:ph type="subTitle" idx="1"/>
-          </p:nvPr>
-        </p:nvSpPr>
-        <p:spPr/>
-        <p:txBody>
-          <a:bodyPr/>
-          <a:lstStyle/>
-          <a:p>
+        <p:spPr>
+          <a:xfrm>
+            <a:off x="683568" y="188640"/>
+            <a:ext cx="7772400" cy="819522"/>
+          </a:xfrm>
+        </p:spPr>
+        <p:txBody>
+          <a:bodyPr/>
+          <a:lstStyle/>
+          <a:p>
+            <a:r>
+              <a:rPr lang="es-ES" dirty="0" err="1" smtClean="0"/>
+              <a:t>XenCenter</a:t>
+            </a:r>
             <a:endParaRPr lang="es-ES" dirty="0"/>
           </a:p>
         </p:txBody>
       </p:sp>
+      <p:pic>
+        <p:nvPicPr>
+          <p:cNvPr id="6146" name="Picture 2" descr="C:\Users\Angel\Dropbox\Universidad\Tercero\Segundo Cuatri\SWAP\trabajo\images\XEN\3.PNG"/>
+          <p:cNvPicPr>
+            <a:picLocks noChangeAspect="1" noChangeArrowheads="1"/>
+          </p:cNvPicPr>
+          <p:nvPr/>
+        </p:nvPicPr>
+        <p:blipFill>
+          <a:blip r:embed="rId2">
+            <a:extLst>
+              <a:ext uri="{28A0092B-C50C-407E-A947-70E740481C1C}">
+                <a14:useLocalDpi xmlns:a14="http://schemas.microsoft.com/office/drawing/2010/main" val="0"/>
+              </a:ext>
+            </a:extLst>
+          </a:blip>
+          <a:srcRect/>
+          <a:stretch>
+            <a:fillRect/>
+          </a:stretch>
+        </p:blipFill>
+        <p:spPr bwMode="auto">
+          <a:xfrm>
+            <a:off x="1475656" y="1196752"/>
+            <a:ext cx="6192688" cy="5320336"/>
+          </a:xfrm>
+          <a:prstGeom prst="rect">
+            <a:avLst/>
+          </a:prstGeom>
+          <a:noFill/>
+          <a:extLst>
+            <a:ext uri="{909E8E84-426E-40DD-AFC4-6F175D3DCCD1}">
+              <a14:hiddenFill xmlns:a14="http://schemas.microsoft.com/office/drawing/2010/main">
+                <a:solidFill>
+                  <a:srgbClr val="FFFFFF"/>
+                </a:solidFill>
+              </a14:hiddenFill>
+            </a:ext>
+          </a:extLst>
+        </p:spPr>
+      </p:pic>
     </p:spTree>
     <p:extLst>
       <p:ext uri="{BB962C8B-B14F-4D97-AF65-F5344CB8AC3E}">
-        <p14:creationId xmlns:p14="http://schemas.microsoft.com/office/powerpoint/2010/main" val="1721141481"/>
+        <p14:creationId xmlns:p14="http://schemas.microsoft.com/office/powerpoint/2010/main" val="2376691357"/>
       </p:ext>
     </p:extLst>
   </p:cSld>
   <p:clrMapOvr>
     <a:masterClrMapping/>
   </p:clrMapOvr>
+  <p:timing>
+    <p:tnLst>
+      <p:par>
+        <p:cTn id="1" dur="indefinite" restart="never" nodeType="tmRoot"/>
+      </p:par>
+    </p:tnLst>
+  </p:timing>
 </p:sld>
 </file>
 
@@ -3391,44 +3511,82 @@
             <p:ph type="ctrTitle"/>
           </p:nvPr>
         </p:nvSpPr>
-        <p:spPr/>
-        <p:txBody>
-          <a:bodyPr/>
-          <a:lstStyle/>
-          <a:p>
-            <a:endParaRPr lang="es-ES"/>
-          </a:p>
-        </p:txBody>
-      </p:sp>
-      <p:sp>
-        <p:nvSpPr>
-          <p:cNvPr id="3" name="2 Subtítulo"/>
-          <p:cNvSpPr>
-            <a:spLocks noGrp="1"/>
-          </p:cNvSpPr>
-          <p:nvPr>
-            <p:ph type="subTitle" idx="1"/>
-          </p:nvPr>
-        </p:nvSpPr>
-        <p:spPr/>
-        <p:txBody>
-          <a:bodyPr/>
-          <a:lstStyle/>
-          <a:p>
+        <p:spPr>
+          <a:xfrm>
+            <a:off x="683568" y="188640"/>
+            <a:ext cx="7772400" cy="819522"/>
+          </a:xfrm>
+        </p:spPr>
+        <p:txBody>
+          <a:bodyPr/>
+          <a:lstStyle/>
+          <a:p>
+            <a:r>
+              <a:rPr lang="es-ES" dirty="0" err="1" smtClean="0"/>
+              <a:t>XenCenter</a:t>
+            </a:r>
             <a:endParaRPr lang="es-ES" dirty="0"/>
           </a:p>
         </p:txBody>
       </p:sp>
+      <p:pic>
+        <p:nvPicPr>
+          <p:cNvPr id="7170" name="Picture 2" descr="C:\Users\Angel\Dropbox\Universidad\Tercero\Segundo Cuatri\SWAP\trabajo\images\XEN\4.PNG"/>
+          <p:cNvPicPr>
+            <a:picLocks noChangeAspect="1" noChangeArrowheads="1"/>
+          </p:cNvPicPr>
+          <p:nvPr/>
+        </p:nvPicPr>
+        <p:blipFill>
+          <a:blip r:embed="rId2">
+            <a:extLst>
+              <a:ext uri="{28A0092B-C50C-407E-A947-70E740481C1C}">
+                <a14:useLocalDpi xmlns:a14="http://schemas.microsoft.com/office/drawing/2010/main" val="0"/>
+              </a:ext>
+            </a:extLst>
+          </a:blip>
+          <a:srcRect/>
+          <a:stretch>
+            <a:fillRect/>
+          </a:stretch>
+        </p:blipFill>
+        <p:spPr bwMode="auto">
+          <a:xfrm>
+            <a:off x="323528" y="1484784"/>
+            <a:ext cx="8448589" cy="4689726"/>
+          </a:xfrm>
+          <a:prstGeom prst="rect">
+            <a:avLst/>
+          </a:prstGeom>
+          <a:noFill/>
+          <a:extLst>
+            <a:ext uri="{909E8E84-426E-40DD-AFC4-6F175D3DCCD1}">
+              <a14:hiddenFill xmlns:a14="http://schemas.microsoft.com/office/drawing/2010/main">
+                <a:solidFill>
+                  <a:srgbClr val="FFFFFF"/>
+                </a:solidFill>
+              </a14:hiddenFill>
+            </a:ext>
+          </a:extLst>
+        </p:spPr>
+      </p:pic>
     </p:spTree>
     <p:extLst>
       <p:ext uri="{BB962C8B-B14F-4D97-AF65-F5344CB8AC3E}">
-        <p14:creationId xmlns:p14="http://schemas.microsoft.com/office/powerpoint/2010/main" val="2376691357"/>
+        <p14:creationId xmlns:p14="http://schemas.microsoft.com/office/powerpoint/2010/main" val="3197793675"/>
       </p:ext>
     </p:extLst>
   </p:cSld>
   <p:clrMapOvr>
     <a:masterClrMapping/>
   </p:clrMapOvr>
+  <p:timing>
+    <p:tnLst>
+      <p:par>
+        <p:cTn id="1" dur="indefinite" restart="never" nodeType="tmRoot"/>
+      </p:par>
+    </p:tnLst>
+  </p:timing>
 </p:sld>
 </file>
 
@@ -3451,6 +3609,112 @@
       </p:grpSpPr>
       <p:sp>
         <p:nvSpPr>
+          <p:cNvPr id="4" name="3 Título"/>
+          <p:cNvSpPr>
+            <a:spLocks noGrp="1"/>
+          </p:cNvSpPr>
+          <p:nvPr>
+            <p:ph type="title"/>
+          </p:nvPr>
+        </p:nvSpPr>
+        <p:spPr>
+          <a:xfrm>
+            <a:off x="467544" y="188640"/>
+            <a:ext cx="8229600" cy="778098"/>
+          </a:xfrm>
+        </p:spPr>
+        <p:txBody>
+          <a:bodyPr/>
+          <a:lstStyle/>
+          <a:p>
+            <a:r>
+              <a:rPr lang="es-ES" dirty="0" err="1" smtClean="0"/>
+              <a:t>Networking</a:t>
+            </a:r>
+            <a:endParaRPr lang="es-ES" dirty="0"/>
+          </a:p>
+        </p:txBody>
+      </p:sp>
+      <p:pic>
+        <p:nvPicPr>
+          <p:cNvPr id="5122" name="Picture 2" descr="C:\Users\Angel\Dropbox\Universidad\Tercero\Segundo Cuatri\SWAP\trabajo\images\networking.jpg"/>
+          <p:cNvPicPr>
+            <a:picLocks noChangeAspect="1" noChangeArrowheads="1"/>
+          </p:cNvPicPr>
+          <p:nvPr/>
+        </p:nvPicPr>
+        <p:blipFill>
+          <a:blip r:embed="rId2">
+            <a:extLst>
+              <a:ext uri="{28A0092B-C50C-407E-A947-70E740481C1C}">
+                <a14:useLocalDpi xmlns:a14="http://schemas.microsoft.com/office/drawing/2010/main" val="0"/>
+              </a:ext>
+            </a:extLst>
+          </a:blip>
+          <a:srcRect/>
+          <a:stretch>
+            <a:fillRect/>
+          </a:stretch>
+        </p:blipFill>
+        <p:spPr bwMode="auto">
+          <a:xfrm>
+            <a:off x="1547664" y="1268760"/>
+            <a:ext cx="6192688" cy="5280286"/>
+          </a:xfrm>
+          <a:prstGeom prst="rect">
+            <a:avLst/>
+          </a:prstGeom>
+          <a:noFill/>
+          <a:extLst>
+            <a:ext uri="{909E8E84-426E-40DD-AFC4-6F175D3DCCD1}">
+              <a14:hiddenFill xmlns:a14="http://schemas.microsoft.com/office/drawing/2010/main">
+                <a:solidFill>
+                  <a:srgbClr val="FFFFFF"/>
+                </a:solidFill>
+              </a14:hiddenFill>
+            </a:ext>
+          </a:extLst>
+        </p:spPr>
+      </p:pic>
+    </p:spTree>
+    <p:extLst>
+      <p:ext uri="{BB962C8B-B14F-4D97-AF65-F5344CB8AC3E}">
+        <p14:creationId xmlns:p14="http://schemas.microsoft.com/office/powerpoint/2010/main" val="1721141481"/>
+      </p:ext>
+    </p:extLst>
+  </p:cSld>
+  <p:clrMapOvr>
+    <a:masterClrMapping/>
+  </p:clrMapOvr>
+  <p:timing>
+    <p:tnLst>
+      <p:par>
+        <p:cTn id="1" dur="indefinite" restart="never" nodeType="tmRoot"/>
+      </p:par>
+    </p:tnLst>
+  </p:timing>
+</p:sld>
+</file>
+
+<file path=ppt/slides/slide14.xml><?xml version="1.0" encoding="utf-8"?>
+<p:sld xmlns:a="http://schemas.openxmlformats.org/drawingml/2006/main" xmlns:r="http://schemas.openxmlformats.org/officeDocument/2006/relationships" xmlns:p="http://schemas.openxmlformats.org/presentationml/2006/main">
+  <p:cSld>
+    <p:spTree>
+      <p:nvGrpSpPr>
+        <p:cNvPr id="1" name=""/>
+        <p:cNvGrpSpPr/>
+        <p:nvPr/>
+      </p:nvGrpSpPr>
+      <p:grpSpPr>
+        <a:xfrm>
+          <a:off x="0" y="0"/>
+          <a:ext cx="0" cy="0"/>
+          <a:chOff x="0" y="0"/>
+          <a:chExt cx="0" cy="0"/>
+        </a:xfrm>
+      </p:grpSpPr>
+      <p:sp>
+        <p:nvSpPr>
           <p:cNvPr id="2" name="1 Título"/>
           <p:cNvSpPr>
             <a:spLocks noGrp="1"/>
@@ -3459,38 +3723,721 @@
             <p:ph type="ctrTitle"/>
           </p:nvPr>
         </p:nvSpPr>
-        <p:spPr/>
-        <p:txBody>
-          <a:bodyPr/>
-          <a:lstStyle/>
-          <a:p>
-            <a:endParaRPr lang="es-ES"/>
-          </a:p>
-        </p:txBody>
-      </p:sp>
-      <p:sp>
-        <p:nvSpPr>
-          <p:cNvPr id="3" name="2 Subtítulo"/>
-          <p:cNvSpPr>
-            <a:spLocks noGrp="1"/>
-          </p:cNvSpPr>
-          <p:nvPr>
-            <p:ph type="subTitle" idx="1"/>
-          </p:nvPr>
-        </p:nvSpPr>
-        <p:spPr/>
-        <p:txBody>
-          <a:bodyPr/>
-          <a:lstStyle/>
-          <a:p>
+        <p:spPr>
+          <a:xfrm>
+            <a:off x="683568" y="332656"/>
+            <a:ext cx="7772400" cy="747514"/>
+          </a:xfrm>
+        </p:spPr>
+        <p:txBody>
+          <a:bodyPr>
+            <a:normAutofit fontScale="90000"/>
+          </a:bodyPr>
+          <a:lstStyle/>
+          <a:p>
+            <a:r>
+              <a:rPr lang="es-ES" dirty="0" smtClean="0"/>
+              <a:t>Firewall</a:t>
+            </a:r>
             <a:endParaRPr lang="es-ES" dirty="0"/>
           </a:p>
         </p:txBody>
       </p:sp>
+      <p:pic>
+        <p:nvPicPr>
+          <p:cNvPr id="8194" name="Picture 2" descr="C:\Users\Angel\Dropbox\Universidad\Tercero\Segundo Cuatri\SWAP\trabajo\ppt\ip.PNG"/>
+          <p:cNvPicPr>
+            <a:picLocks noChangeAspect="1" noChangeArrowheads="1"/>
+          </p:cNvPicPr>
+          <p:nvPr/>
+        </p:nvPicPr>
+        <p:blipFill>
+          <a:blip r:embed="rId2">
+            <a:extLst>
+              <a:ext uri="{28A0092B-C50C-407E-A947-70E740481C1C}">
+                <a14:useLocalDpi xmlns:a14="http://schemas.microsoft.com/office/drawing/2010/main" val="0"/>
+              </a:ext>
+            </a:extLst>
+          </a:blip>
+          <a:srcRect/>
+          <a:stretch>
+            <a:fillRect/>
+          </a:stretch>
+        </p:blipFill>
+        <p:spPr bwMode="auto">
+          <a:xfrm>
+            <a:off x="1763688" y="1124744"/>
+            <a:ext cx="5544616" cy="5363350"/>
+          </a:xfrm>
+          <a:prstGeom prst="rect">
+            <a:avLst/>
+          </a:prstGeom>
+          <a:noFill/>
+          <a:extLst>
+            <a:ext uri="{909E8E84-426E-40DD-AFC4-6F175D3DCCD1}">
+              <a14:hiddenFill xmlns:a14="http://schemas.microsoft.com/office/drawing/2010/main">
+                <a:solidFill>
+                  <a:srgbClr val="FFFFFF"/>
+                </a:solidFill>
+              </a14:hiddenFill>
+            </a:ext>
+          </a:extLst>
+        </p:spPr>
+      </p:pic>
     </p:spTree>
     <p:extLst>
       <p:ext uri="{BB962C8B-B14F-4D97-AF65-F5344CB8AC3E}">
         <p14:creationId xmlns:p14="http://schemas.microsoft.com/office/powerpoint/2010/main" val="3864867225"/>
+      </p:ext>
+    </p:extLst>
+  </p:cSld>
+  <p:clrMapOvr>
+    <a:masterClrMapping/>
+  </p:clrMapOvr>
+</p:sld>
+</file>
+
+<file path=ppt/slides/slide15.xml><?xml version="1.0" encoding="utf-8"?>
+<p:sld xmlns:a="http://schemas.openxmlformats.org/drawingml/2006/main" xmlns:r="http://schemas.openxmlformats.org/officeDocument/2006/relationships" xmlns:p="http://schemas.openxmlformats.org/presentationml/2006/main">
+  <p:cSld>
+    <p:spTree>
+      <p:nvGrpSpPr>
+        <p:cNvPr id="1" name=""/>
+        <p:cNvGrpSpPr/>
+        <p:nvPr/>
+      </p:nvGrpSpPr>
+      <p:grpSpPr>
+        <a:xfrm>
+          <a:off x="0" y="0"/>
+          <a:ext cx="0" cy="0"/>
+          <a:chOff x="0" y="0"/>
+          <a:chExt cx="0" cy="0"/>
+        </a:xfrm>
+      </p:grpSpPr>
+      <p:sp>
+        <p:nvSpPr>
+          <p:cNvPr id="2" name="1 Título"/>
+          <p:cNvSpPr>
+            <a:spLocks noGrp="1"/>
+          </p:cNvSpPr>
+          <p:nvPr>
+            <p:ph type="ctrTitle"/>
+          </p:nvPr>
+        </p:nvSpPr>
+        <p:spPr>
+          <a:xfrm>
+            <a:off x="634777" y="620688"/>
+            <a:ext cx="7772400" cy="1008112"/>
+          </a:xfrm>
+        </p:spPr>
+        <p:txBody>
+          <a:bodyPr/>
+          <a:lstStyle/>
+          <a:p>
+            <a:r>
+              <a:rPr lang="es-ES" dirty="0" err="1" smtClean="0"/>
+              <a:t>HAProxy</a:t>
+            </a:r>
+            <a:endParaRPr lang="es-ES" dirty="0"/>
+          </a:p>
+        </p:txBody>
+      </p:sp>
+      <p:pic>
+        <p:nvPicPr>
+          <p:cNvPr id="10242" name="Picture 2" descr="C:\Users\Angel\Dropbox\Universidad\Tercero\Segundo Cuatri\SWAP\trabajo\images\loadbalancer\configssl.PNG"/>
+          <p:cNvPicPr>
+            <a:picLocks noChangeAspect="1" noChangeArrowheads="1"/>
+          </p:cNvPicPr>
+          <p:nvPr/>
+        </p:nvPicPr>
+        <p:blipFill>
+          <a:blip r:embed="rId2">
+            <a:extLst>
+              <a:ext uri="{28A0092B-C50C-407E-A947-70E740481C1C}">
+                <a14:useLocalDpi xmlns:a14="http://schemas.microsoft.com/office/drawing/2010/main" val="0"/>
+              </a:ext>
+            </a:extLst>
+          </a:blip>
+          <a:srcRect/>
+          <a:stretch>
+            <a:fillRect/>
+          </a:stretch>
+        </p:blipFill>
+        <p:spPr bwMode="auto">
+          <a:xfrm>
+            <a:off x="899592" y="2060848"/>
+            <a:ext cx="7242770" cy="3971036"/>
+          </a:xfrm>
+          <a:prstGeom prst="rect">
+            <a:avLst/>
+          </a:prstGeom>
+          <a:noFill/>
+          <a:extLst>
+            <a:ext uri="{909E8E84-426E-40DD-AFC4-6F175D3DCCD1}">
+              <a14:hiddenFill xmlns:a14="http://schemas.microsoft.com/office/drawing/2010/main">
+                <a:solidFill>
+                  <a:srgbClr val="FFFFFF"/>
+                </a:solidFill>
+              </a14:hiddenFill>
+            </a:ext>
+          </a:extLst>
+        </p:spPr>
+      </p:pic>
+    </p:spTree>
+    <p:extLst>
+      <p:ext uri="{BB962C8B-B14F-4D97-AF65-F5344CB8AC3E}">
+        <p14:creationId xmlns:p14="http://schemas.microsoft.com/office/powerpoint/2010/main" val="2630032956"/>
+      </p:ext>
+    </p:extLst>
+  </p:cSld>
+  <p:clrMapOvr>
+    <a:masterClrMapping/>
+  </p:clrMapOvr>
+</p:sld>
+</file>
+
+<file path=ppt/slides/slide16.xml><?xml version="1.0" encoding="utf-8"?>
+<p:sld xmlns:a="http://schemas.openxmlformats.org/drawingml/2006/main" xmlns:r="http://schemas.openxmlformats.org/officeDocument/2006/relationships" xmlns:p="http://schemas.openxmlformats.org/presentationml/2006/main">
+  <p:cSld>
+    <p:spTree>
+      <p:nvGrpSpPr>
+        <p:cNvPr id="1" name=""/>
+        <p:cNvGrpSpPr/>
+        <p:nvPr/>
+      </p:nvGrpSpPr>
+      <p:grpSpPr>
+        <a:xfrm>
+          <a:off x="0" y="0"/>
+          <a:ext cx="0" cy="0"/>
+          <a:chOff x="0" y="0"/>
+          <a:chExt cx="0" cy="0"/>
+        </a:xfrm>
+      </p:grpSpPr>
+      <p:sp>
+        <p:nvSpPr>
+          <p:cNvPr id="2" name="1 Título"/>
+          <p:cNvSpPr>
+            <a:spLocks noGrp="1"/>
+          </p:cNvSpPr>
+          <p:nvPr>
+            <p:ph type="ctrTitle"/>
+          </p:nvPr>
+        </p:nvSpPr>
+        <p:spPr>
+          <a:xfrm>
+            <a:off x="683568" y="260649"/>
+            <a:ext cx="7772400" cy="1080120"/>
+          </a:xfrm>
+        </p:spPr>
+        <p:txBody>
+          <a:bodyPr/>
+          <a:lstStyle/>
+          <a:p>
+            <a:r>
+              <a:rPr lang="es-ES" dirty="0" smtClean="0"/>
+              <a:t>SSL</a:t>
+            </a:r>
+            <a:endParaRPr lang="es-ES" dirty="0"/>
+          </a:p>
+        </p:txBody>
+      </p:sp>
+      <p:pic>
+        <p:nvPicPr>
+          <p:cNvPr id="9218" name="Picture 2" descr="C:\Users\Angel\Dropbox\Universidad\Tercero\Segundo Cuatri\SWAP\trabajo\ppt\LetsEncrypt-Certbot-logos-3-1200x631.png"/>
+          <p:cNvPicPr>
+            <a:picLocks noChangeAspect="1" noChangeArrowheads="1"/>
+          </p:cNvPicPr>
+          <p:nvPr/>
+        </p:nvPicPr>
+        <p:blipFill>
+          <a:blip r:embed="rId2">
+            <a:extLst>
+              <a:ext uri="{28A0092B-C50C-407E-A947-70E740481C1C}">
+                <a14:useLocalDpi xmlns:a14="http://schemas.microsoft.com/office/drawing/2010/main" val="0"/>
+              </a:ext>
+            </a:extLst>
+          </a:blip>
+          <a:srcRect/>
+          <a:stretch>
+            <a:fillRect/>
+          </a:stretch>
+        </p:blipFill>
+        <p:spPr bwMode="auto">
+          <a:xfrm>
+            <a:off x="611558" y="1772816"/>
+            <a:ext cx="7920882" cy="4165064"/>
+          </a:xfrm>
+          <a:prstGeom prst="rect">
+            <a:avLst/>
+          </a:prstGeom>
+          <a:noFill/>
+          <a:extLst>
+            <a:ext uri="{909E8E84-426E-40DD-AFC4-6F175D3DCCD1}">
+              <a14:hiddenFill xmlns:a14="http://schemas.microsoft.com/office/drawing/2010/main">
+                <a:solidFill>
+                  <a:srgbClr val="FFFFFF"/>
+                </a:solidFill>
+              </a14:hiddenFill>
+            </a:ext>
+          </a:extLst>
+        </p:spPr>
+      </p:pic>
+    </p:spTree>
+    <p:extLst>
+      <p:ext uri="{BB962C8B-B14F-4D97-AF65-F5344CB8AC3E}">
+        <p14:creationId xmlns:p14="http://schemas.microsoft.com/office/powerpoint/2010/main" val="3096257412"/>
+      </p:ext>
+    </p:extLst>
+  </p:cSld>
+  <p:clrMapOvr>
+    <a:masterClrMapping/>
+  </p:clrMapOvr>
+</p:sld>
+</file>
+
+<file path=ppt/slides/slide17.xml><?xml version="1.0" encoding="utf-8"?>
+<p:sld xmlns:a="http://schemas.openxmlformats.org/drawingml/2006/main" xmlns:r="http://schemas.openxmlformats.org/officeDocument/2006/relationships" xmlns:p="http://schemas.openxmlformats.org/presentationml/2006/main">
+  <p:cSld>
+    <p:spTree>
+      <p:nvGrpSpPr>
+        <p:cNvPr id="1" name=""/>
+        <p:cNvGrpSpPr/>
+        <p:nvPr/>
+      </p:nvGrpSpPr>
+      <p:grpSpPr>
+        <a:xfrm>
+          <a:off x="0" y="0"/>
+          <a:ext cx="0" cy="0"/>
+          <a:chOff x="0" y="0"/>
+          <a:chExt cx="0" cy="0"/>
+        </a:xfrm>
+      </p:grpSpPr>
+      <p:sp>
+        <p:nvSpPr>
+          <p:cNvPr id="2" name="1 Título"/>
+          <p:cNvSpPr>
+            <a:spLocks noGrp="1"/>
+          </p:cNvSpPr>
+          <p:nvPr>
+            <p:ph type="ctrTitle"/>
+          </p:nvPr>
+        </p:nvSpPr>
+        <p:spPr>
+          <a:xfrm>
+            <a:off x="683568" y="332656"/>
+            <a:ext cx="7772400" cy="866527"/>
+          </a:xfrm>
+        </p:spPr>
+        <p:txBody>
+          <a:bodyPr/>
+          <a:lstStyle/>
+          <a:p>
+            <a:r>
+              <a:rPr lang="es-ES" dirty="0" err="1" smtClean="0"/>
+              <a:t>Benchmarks</a:t>
+            </a:r>
+            <a:r>
+              <a:rPr lang="es-ES" dirty="0" smtClean="0"/>
+              <a:t> (AB)</a:t>
+            </a:r>
+            <a:endParaRPr lang="es-ES" dirty="0"/>
+          </a:p>
+        </p:txBody>
+      </p:sp>
+      <p:pic>
+        <p:nvPicPr>
+          <p:cNvPr id="11266" name="Picture 2" descr="C:\Users\Angel\Dropbox\Universidad\Tercero\Segundo Cuatri\SWAP\trabajo\benchmark\ps1.png"/>
+          <p:cNvPicPr>
+            <a:picLocks noChangeAspect="1" noChangeArrowheads="1"/>
+          </p:cNvPicPr>
+          <p:nvPr/>
+        </p:nvPicPr>
+        <p:blipFill>
+          <a:blip r:embed="rId2">
+            <a:extLst>
+              <a:ext uri="{28A0092B-C50C-407E-A947-70E740481C1C}">
+                <a14:useLocalDpi xmlns:a14="http://schemas.microsoft.com/office/drawing/2010/main" val="0"/>
+              </a:ext>
+            </a:extLst>
+          </a:blip>
+          <a:srcRect/>
+          <a:stretch>
+            <a:fillRect/>
+          </a:stretch>
+        </p:blipFill>
+        <p:spPr bwMode="auto">
+          <a:xfrm>
+            <a:off x="755576" y="1484784"/>
+            <a:ext cx="3811032" cy="2266231"/>
+          </a:xfrm>
+          <a:prstGeom prst="rect">
+            <a:avLst/>
+          </a:prstGeom>
+          <a:noFill/>
+          <a:extLst>
+            <a:ext uri="{909E8E84-426E-40DD-AFC4-6F175D3DCCD1}">
+              <a14:hiddenFill xmlns:a14="http://schemas.microsoft.com/office/drawing/2010/main">
+                <a:solidFill>
+                  <a:srgbClr val="FFFFFF"/>
+                </a:solidFill>
+              </a14:hiddenFill>
+            </a:ext>
+          </a:extLst>
+        </p:spPr>
+      </p:pic>
+      <p:pic>
+        <p:nvPicPr>
+          <p:cNvPr id="11267" name="Picture 3" descr="C:\Users\Angel\Dropbox\Universidad\Tercero\Segundo Cuatri\SWAP\trabajo\benchmark\tr1.png"/>
+          <p:cNvPicPr>
+            <a:picLocks noChangeAspect="1" noChangeArrowheads="1"/>
+          </p:cNvPicPr>
+          <p:nvPr/>
+        </p:nvPicPr>
+        <p:blipFill>
+          <a:blip r:embed="rId3">
+            <a:extLst>
+              <a:ext uri="{28A0092B-C50C-407E-A947-70E740481C1C}">
+                <a14:useLocalDpi xmlns:a14="http://schemas.microsoft.com/office/drawing/2010/main" val="0"/>
+              </a:ext>
+            </a:extLst>
+          </a:blip>
+          <a:srcRect/>
+          <a:stretch>
+            <a:fillRect/>
+          </a:stretch>
+        </p:blipFill>
+        <p:spPr bwMode="auto">
+          <a:xfrm>
+            <a:off x="4860032" y="1476123"/>
+            <a:ext cx="3821816" cy="2244928"/>
+          </a:xfrm>
+          <a:prstGeom prst="rect">
+            <a:avLst/>
+          </a:prstGeom>
+          <a:noFill/>
+          <a:extLst>
+            <a:ext uri="{909E8E84-426E-40DD-AFC4-6F175D3DCCD1}">
+              <a14:hiddenFill xmlns:a14="http://schemas.microsoft.com/office/drawing/2010/main">
+                <a:solidFill>
+                  <a:srgbClr val="FFFFFF"/>
+                </a:solidFill>
+              </a14:hiddenFill>
+            </a:ext>
+          </a:extLst>
+        </p:spPr>
+      </p:pic>
+      <p:pic>
+        <p:nvPicPr>
+          <p:cNvPr id="11268" name="Picture 4" descr="C:\Users\Angel\Dropbox\Universidad\Tercero\Segundo Cuatri\SWAP\trabajo\benchmark\tr10.png"/>
+          <p:cNvPicPr>
+            <a:picLocks noChangeAspect="1" noChangeArrowheads="1"/>
+          </p:cNvPicPr>
+          <p:nvPr/>
+        </p:nvPicPr>
+        <p:blipFill>
+          <a:blip r:embed="rId4">
+            <a:extLst>
+              <a:ext uri="{28A0092B-C50C-407E-A947-70E740481C1C}">
+                <a14:useLocalDpi xmlns:a14="http://schemas.microsoft.com/office/drawing/2010/main" val="0"/>
+              </a:ext>
+            </a:extLst>
+          </a:blip>
+          <a:srcRect/>
+          <a:stretch>
+            <a:fillRect/>
+          </a:stretch>
+        </p:blipFill>
+        <p:spPr bwMode="auto">
+          <a:xfrm>
+            <a:off x="700782" y="4149080"/>
+            <a:ext cx="3910626" cy="2309738"/>
+          </a:xfrm>
+          <a:prstGeom prst="rect">
+            <a:avLst/>
+          </a:prstGeom>
+          <a:noFill/>
+          <a:extLst>
+            <a:ext uri="{909E8E84-426E-40DD-AFC4-6F175D3DCCD1}">
+              <a14:hiddenFill xmlns:a14="http://schemas.microsoft.com/office/drawing/2010/main">
+                <a:solidFill>
+                  <a:srgbClr val="FFFFFF"/>
+                </a:solidFill>
+              </a14:hiddenFill>
+            </a:ext>
+          </a:extLst>
+        </p:spPr>
+      </p:pic>
+      <p:pic>
+        <p:nvPicPr>
+          <p:cNvPr id="11269" name="Picture 5" descr="C:\Users\Angel\Dropbox\Universidad\Tercero\Segundo Cuatri\SWAP\trabajo\benchmark\ps10.png"/>
+          <p:cNvPicPr>
+            <a:picLocks noChangeAspect="1" noChangeArrowheads="1"/>
+          </p:cNvPicPr>
+          <p:nvPr/>
+        </p:nvPicPr>
+        <p:blipFill>
+          <a:blip r:embed="rId5">
+            <a:extLst>
+              <a:ext uri="{28A0092B-C50C-407E-A947-70E740481C1C}">
+                <a14:useLocalDpi xmlns:a14="http://schemas.microsoft.com/office/drawing/2010/main" val="0"/>
+              </a:ext>
+            </a:extLst>
+          </a:blip>
+          <a:srcRect/>
+          <a:stretch>
+            <a:fillRect/>
+          </a:stretch>
+        </p:blipFill>
+        <p:spPr bwMode="auto">
+          <a:xfrm>
+            <a:off x="4861892" y="4168887"/>
+            <a:ext cx="3821816" cy="2289931"/>
+          </a:xfrm>
+          <a:prstGeom prst="rect">
+            <a:avLst/>
+          </a:prstGeom>
+          <a:noFill/>
+          <a:extLst>
+            <a:ext uri="{909E8E84-426E-40DD-AFC4-6F175D3DCCD1}">
+              <a14:hiddenFill xmlns:a14="http://schemas.microsoft.com/office/drawing/2010/main">
+                <a:solidFill>
+                  <a:srgbClr val="FFFFFF"/>
+                </a:solidFill>
+              </a14:hiddenFill>
+            </a:ext>
+          </a:extLst>
+        </p:spPr>
+      </p:pic>
+    </p:spTree>
+    <p:extLst>
+      <p:ext uri="{BB962C8B-B14F-4D97-AF65-F5344CB8AC3E}">
+        <p14:creationId xmlns:p14="http://schemas.microsoft.com/office/powerpoint/2010/main" val="529080407"/>
+      </p:ext>
+    </p:extLst>
+  </p:cSld>
+  <p:clrMapOvr>
+    <a:masterClrMapping/>
+  </p:clrMapOvr>
+</p:sld>
+</file>
+
+<file path=ppt/slides/slide18.xml><?xml version="1.0" encoding="utf-8"?>
+<p:sld xmlns:a="http://schemas.openxmlformats.org/drawingml/2006/main" xmlns:r="http://schemas.openxmlformats.org/officeDocument/2006/relationships" xmlns:p="http://schemas.openxmlformats.org/presentationml/2006/main">
+  <p:cSld>
+    <p:spTree>
+      <p:nvGrpSpPr>
+        <p:cNvPr id="1" name=""/>
+        <p:cNvGrpSpPr/>
+        <p:nvPr/>
+      </p:nvGrpSpPr>
+      <p:grpSpPr>
+        <a:xfrm>
+          <a:off x="0" y="0"/>
+          <a:ext cx="0" cy="0"/>
+          <a:chOff x="0" y="0"/>
+          <a:chExt cx="0" cy="0"/>
+        </a:xfrm>
+      </p:grpSpPr>
+      <p:sp>
+        <p:nvSpPr>
+          <p:cNvPr id="2" name="1 Título"/>
+          <p:cNvSpPr>
+            <a:spLocks noGrp="1"/>
+          </p:cNvSpPr>
+          <p:nvPr>
+            <p:ph type="ctrTitle"/>
+          </p:nvPr>
+        </p:nvSpPr>
+        <p:spPr>
+          <a:xfrm>
+            <a:off x="683568" y="332656"/>
+            <a:ext cx="7772400" cy="866527"/>
+          </a:xfrm>
+        </p:spPr>
+        <p:txBody>
+          <a:bodyPr/>
+          <a:lstStyle/>
+          <a:p>
+            <a:r>
+              <a:rPr lang="es-ES" dirty="0" err="1" smtClean="0"/>
+              <a:t>Benchmarks</a:t>
+            </a:r>
+            <a:r>
+              <a:rPr lang="es-ES" dirty="0" smtClean="0"/>
+              <a:t> (AB)</a:t>
+            </a:r>
+            <a:endParaRPr lang="es-ES" dirty="0"/>
+          </a:p>
+        </p:txBody>
+      </p:sp>
+      <p:pic>
+        <p:nvPicPr>
+          <p:cNvPr id="12290" name="Picture 2" descr="C:\Users\Angel\Dropbox\Universidad\Tercero\Segundo Cuatri\SWAP\trabajo\benchmark\ps100.png"/>
+          <p:cNvPicPr>
+            <a:picLocks noChangeAspect="1" noChangeArrowheads="1"/>
+          </p:cNvPicPr>
+          <p:nvPr/>
+        </p:nvPicPr>
+        <p:blipFill>
+          <a:blip r:embed="rId2">
+            <a:extLst>
+              <a:ext uri="{28A0092B-C50C-407E-A947-70E740481C1C}">
+                <a14:useLocalDpi xmlns:a14="http://schemas.microsoft.com/office/drawing/2010/main" val="0"/>
+              </a:ext>
+            </a:extLst>
+          </a:blip>
+          <a:srcRect/>
+          <a:stretch>
+            <a:fillRect/>
+          </a:stretch>
+        </p:blipFill>
+        <p:spPr bwMode="auto">
+          <a:xfrm>
+            <a:off x="700782" y="1476123"/>
+            <a:ext cx="3910626" cy="2349627"/>
+          </a:xfrm>
+          <a:prstGeom prst="rect">
+            <a:avLst/>
+          </a:prstGeom>
+          <a:noFill/>
+          <a:extLst>
+            <a:ext uri="{909E8E84-426E-40DD-AFC4-6F175D3DCCD1}">
+              <a14:hiddenFill xmlns:a14="http://schemas.microsoft.com/office/drawing/2010/main">
+                <a:solidFill>
+                  <a:srgbClr val="FFFFFF"/>
+                </a:solidFill>
+              </a14:hiddenFill>
+            </a:ext>
+          </a:extLst>
+        </p:spPr>
+      </p:pic>
+      <p:pic>
+        <p:nvPicPr>
+          <p:cNvPr id="12291" name="Picture 3" descr="C:\Users\Angel\Dropbox\Universidad\Tercero\Segundo Cuatri\SWAP\trabajo\benchmark\tr100.png"/>
+          <p:cNvPicPr>
+            <a:picLocks noChangeAspect="1" noChangeArrowheads="1"/>
+          </p:cNvPicPr>
+          <p:nvPr/>
+        </p:nvPicPr>
+        <p:blipFill>
+          <a:blip r:embed="rId3">
+            <a:extLst>
+              <a:ext uri="{28A0092B-C50C-407E-A947-70E740481C1C}">
+                <a14:useLocalDpi xmlns:a14="http://schemas.microsoft.com/office/drawing/2010/main" val="0"/>
+              </a:ext>
+            </a:extLst>
+          </a:blip>
+          <a:srcRect/>
+          <a:stretch>
+            <a:fillRect/>
+          </a:stretch>
+        </p:blipFill>
+        <p:spPr bwMode="auto">
+          <a:xfrm>
+            <a:off x="4861893" y="1488452"/>
+            <a:ext cx="3821816" cy="2296268"/>
+          </a:xfrm>
+          <a:prstGeom prst="rect">
+            <a:avLst/>
+          </a:prstGeom>
+          <a:noFill/>
+          <a:extLst>
+            <a:ext uri="{909E8E84-426E-40DD-AFC4-6F175D3DCCD1}">
+              <a14:hiddenFill xmlns:a14="http://schemas.microsoft.com/office/drawing/2010/main">
+                <a:solidFill>
+                  <a:srgbClr val="FFFFFF"/>
+                </a:solidFill>
+              </a14:hiddenFill>
+            </a:ext>
+          </a:extLst>
+        </p:spPr>
+      </p:pic>
+      <p:pic>
+        <p:nvPicPr>
+          <p:cNvPr id="12292" name="Picture 4" descr="C:\Users\Angel\Dropbox\Universidad\Tercero\Segundo Cuatri\SWAP\trabajo\benchmark\ps1000.png"/>
+          <p:cNvPicPr>
+            <a:picLocks noChangeAspect="1" noChangeArrowheads="1"/>
+          </p:cNvPicPr>
+          <p:nvPr/>
+        </p:nvPicPr>
+        <p:blipFill>
+          <a:blip r:embed="rId4">
+            <a:extLst>
+              <a:ext uri="{28A0092B-C50C-407E-A947-70E740481C1C}">
+                <a14:useLocalDpi xmlns:a14="http://schemas.microsoft.com/office/drawing/2010/main" val="0"/>
+              </a:ext>
+            </a:extLst>
+          </a:blip>
+          <a:srcRect/>
+          <a:stretch>
+            <a:fillRect/>
+          </a:stretch>
+        </p:blipFill>
+        <p:spPr bwMode="auto">
+          <a:xfrm>
+            <a:off x="700782" y="4168887"/>
+            <a:ext cx="3910626" cy="2333501"/>
+          </a:xfrm>
+          <a:prstGeom prst="rect">
+            <a:avLst/>
+          </a:prstGeom>
+          <a:noFill/>
+          <a:extLst>
+            <a:ext uri="{909E8E84-426E-40DD-AFC4-6F175D3DCCD1}">
+              <a14:hiddenFill xmlns:a14="http://schemas.microsoft.com/office/drawing/2010/main">
+                <a:solidFill>
+                  <a:srgbClr val="FFFFFF"/>
+                </a:solidFill>
+              </a14:hiddenFill>
+            </a:ext>
+          </a:extLst>
+        </p:spPr>
+      </p:pic>
+      <p:pic>
+        <p:nvPicPr>
+          <p:cNvPr id="12293" name="Picture 5" descr="C:\Users\Angel\Dropbox\Universidad\Tercero\Segundo Cuatri\SWAP\trabajo\benchmark\tr1000.png"/>
+          <p:cNvPicPr>
+            <a:picLocks noChangeAspect="1" noChangeArrowheads="1"/>
+          </p:cNvPicPr>
+          <p:nvPr/>
+        </p:nvPicPr>
+        <p:blipFill>
+          <a:blip r:embed="rId5">
+            <a:extLst>
+              <a:ext uri="{28A0092B-C50C-407E-A947-70E740481C1C}">
+                <a14:useLocalDpi xmlns:a14="http://schemas.microsoft.com/office/drawing/2010/main" val="0"/>
+              </a:ext>
+            </a:extLst>
+          </a:blip>
+          <a:srcRect/>
+          <a:stretch>
+            <a:fillRect/>
+          </a:stretch>
+        </p:blipFill>
+        <p:spPr bwMode="auto">
+          <a:xfrm>
+            <a:off x="4861893" y="4168887"/>
+            <a:ext cx="3910626" cy="2333501"/>
+          </a:xfrm>
+          <a:prstGeom prst="rect">
+            <a:avLst/>
+          </a:prstGeom>
+          <a:noFill/>
+          <a:extLst>
+            <a:ext uri="{909E8E84-426E-40DD-AFC4-6F175D3DCCD1}">
+              <a14:hiddenFill xmlns:a14="http://schemas.microsoft.com/office/drawing/2010/main">
+                <a:solidFill>
+                  <a:srgbClr val="FFFFFF"/>
+                </a:solidFill>
+              </a14:hiddenFill>
+            </a:ext>
+          </a:extLst>
+        </p:spPr>
+      </p:pic>
+    </p:spTree>
+    <p:extLst>
+      <p:ext uri="{BB962C8B-B14F-4D97-AF65-F5344CB8AC3E}">
+        <p14:creationId xmlns:p14="http://schemas.microsoft.com/office/powerpoint/2010/main" val="3329619654"/>
       </p:ext>
     </p:extLst>
   </p:cSld>
@@ -4246,12 +5193,8 @@
           <a:p>
             <a:pPr algn="just"/>
             <a:r>
-              <a:rPr lang="es-ES" sz="1600" b="1" dirty="0" err="1" smtClean="0"/>
-              <a:t>Saturamiento</a:t>
-            </a:r>
-            <a:r>
               <a:rPr lang="es-ES" sz="1600" b="1" dirty="0" smtClean="0"/>
-              <a:t>:</a:t>
+              <a:t>Saturamiento:</a:t>
             </a:r>
             <a:r>
               <a:rPr lang="es-ES" sz="1600" dirty="0" smtClean="0"/>
@@ -4648,12 +5591,12 @@
       </p:grpSpPr>
       <p:sp>
         <p:nvSpPr>
-          <p:cNvPr id="2" name="1 Título"/>
-          <p:cNvSpPr>
-            <a:spLocks noGrp="1"/>
-          </p:cNvSpPr>
-          <p:nvPr>
-            <p:ph type="ctrTitle"/>
+          <p:cNvPr id="4" name="3 Título"/>
+          <p:cNvSpPr>
+            <a:spLocks noGrp="1"/>
+          </p:cNvSpPr>
+          <p:nvPr>
+            <p:ph type="title"/>
           </p:nvPr>
         </p:nvSpPr>
         <p:spPr/>
@@ -4661,29 +5604,117 @@
           <a:bodyPr/>
           <a:lstStyle/>
           <a:p>
-            <a:endParaRPr lang="es-ES"/>
-          </a:p>
-        </p:txBody>
-      </p:sp>
-      <p:sp>
-        <p:nvSpPr>
-          <p:cNvPr id="3" name="2 Subtítulo"/>
-          <p:cNvSpPr>
-            <a:spLocks noGrp="1"/>
-          </p:cNvSpPr>
-          <p:nvPr>
-            <p:ph type="subTitle" idx="1"/>
+            <a:r>
+              <a:rPr lang="es-ES" dirty="0" err="1" smtClean="0"/>
+              <a:t>XenServer</a:t>
+            </a:r>
+            <a:endParaRPr lang="es-ES" dirty="0"/>
+          </a:p>
+        </p:txBody>
+      </p:sp>
+      <p:sp>
+        <p:nvSpPr>
+          <p:cNvPr id="5" name="4 Marcador de contenido"/>
+          <p:cNvSpPr>
+            <a:spLocks noGrp="1"/>
+          </p:cNvSpPr>
+          <p:nvPr>
+            <p:ph idx="1"/>
           </p:nvPr>
         </p:nvSpPr>
         <p:spPr/>
         <p:txBody>
-          <a:bodyPr/>
-          <a:lstStyle/>
-          <a:p>
-            <a:endParaRPr lang="es-ES" dirty="0"/>
-          </a:p>
-        </p:txBody>
-      </p:sp>
+          <a:bodyPr>
+            <a:normAutofit/>
+          </a:bodyPr>
+          <a:lstStyle/>
+          <a:p>
+            <a:pPr algn="just"/>
+            <a:r>
+              <a:rPr lang="es-ES" sz="2800" b="1" dirty="0" err="1"/>
+              <a:t>Xen</a:t>
+            </a:r>
+            <a:r>
+              <a:rPr lang="es-ES" sz="2800" dirty="0"/>
+              <a:t> es un </a:t>
+            </a:r>
+            <a:r>
+              <a:rPr lang="es-ES" sz="2800" dirty="0" err="1" smtClean="0"/>
+              <a:t>hipervisor</a:t>
+            </a:r>
+            <a:r>
+              <a:rPr lang="es-ES" sz="2800" dirty="0"/>
+              <a:t> de </a:t>
+            </a:r>
+            <a:r>
+              <a:rPr lang="es-ES" sz="2800" b="1" dirty="0" smtClean="0"/>
+              <a:t>código abierto </a:t>
+            </a:r>
+            <a:r>
+              <a:rPr lang="es-ES" sz="2800" dirty="0" smtClean="0"/>
+              <a:t>y </a:t>
+            </a:r>
+            <a:r>
+              <a:rPr lang="es-ES" sz="2800" b="1" dirty="0" smtClean="0"/>
+              <a:t>gratuito</a:t>
+            </a:r>
+            <a:r>
+              <a:rPr lang="es-ES" sz="2800" dirty="0" smtClean="0"/>
+              <a:t> desarrollado </a:t>
+            </a:r>
+            <a:r>
+              <a:rPr lang="es-ES" sz="2800" dirty="0"/>
+              <a:t>por la </a:t>
+            </a:r>
+            <a:r>
+              <a:rPr lang="es-ES" sz="2800" dirty="0" smtClean="0"/>
+              <a:t>Universidad de Cambridge.</a:t>
+            </a:r>
+            <a:endParaRPr lang="es-ES" sz="2800" dirty="0"/>
+          </a:p>
+        </p:txBody>
+      </p:sp>
+      <p:pic>
+        <p:nvPicPr>
+          <p:cNvPr id="2050" name="Picture 2" descr="C:\Users\Angel\Dropbox\Universidad\Tercero\Segundo Cuatri\SWAP\trabajo\ppt\xencenter.PNG"/>
+          <p:cNvPicPr>
+            <a:picLocks noChangeAspect="1" noChangeArrowheads="1"/>
+          </p:cNvPicPr>
+          <p:nvPr/>
+        </p:nvPicPr>
+        <p:blipFill>
+          <a:blip r:embed="rId2">
+            <a:extLst>
+              <a:ext uri="{28A0092B-C50C-407E-A947-70E740481C1C}">
+                <a14:useLocalDpi xmlns:a14="http://schemas.microsoft.com/office/drawing/2010/main" val="0"/>
+              </a:ext>
+            </a:extLst>
+          </a:blip>
+          <a:srcRect/>
+          <a:stretch>
+            <a:fillRect/>
+          </a:stretch>
+        </p:blipFill>
+        <p:spPr bwMode="auto">
+          <a:xfrm>
+            <a:off x="1042432" y="2753112"/>
+            <a:ext cx="6965486" cy="3735338"/>
+          </a:xfrm>
+          <a:prstGeom prst="rect">
+            <a:avLst/>
+          </a:prstGeom>
+          <a:noFill/>
+          <a:extLst>
+            <a:ext uri="{909E8E84-426E-40DD-AFC4-6F175D3DCCD1}">
+              <a14:hiddenFill xmlns:a14="http://schemas.microsoft.com/office/drawing/2010/main">
+                <a:solidFill>
+                  <a:srgbClr val="FFFFFF"/>
+                </a:solidFill>
+              </a14:hiddenFill>
+            </a:ext>
+          </a:extLst>
+        </p:spPr>
+      </p:pic>
     </p:spTree>
     <p:extLst>
       <p:ext uri="{BB962C8B-B14F-4D97-AF65-F5344CB8AC3E}">
@@ -4721,47 +5752,143 @@
             <a:spLocks noGrp="1"/>
           </p:cNvSpPr>
           <p:nvPr>
-            <p:ph type="ctrTitle"/>
+            <p:ph type="title"/>
           </p:nvPr>
         </p:nvSpPr>
         <p:spPr/>
         <p:txBody>
-          <a:bodyPr/>
-          <a:lstStyle/>
-          <a:p>
-            <a:endParaRPr lang="es-ES"/>
-          </a:p>
-        </p:txBody>
-      </p:sp>
-      <p:sp>
-        <p:nvSpPr>
-          <p:cNvPr id="3" name="2 Subtítulo"/>
-          <p:cNvSpPr>
-            <a:spLocks noGrp="1"/>
-          </p:cNvSpPr>
-          <p:nvPr>
-            <p:ph type="subTitle" idx="1"/>
-          </p:nvPr>
-        </p:nvSpPr>
-        <p:spPr/>
-        <p:txBody>
-          <a:bodyPr/>
-          <a:lstStyle/>
-          <a:p>
+          <a:bodyPr>
+            <a:normAutofit fontScale="90000"/>
+          </a:bodyPr>
+          <a:lstStyle/>
+          <a:p>
+            <a:r>
+              <a:rPr lang="es-ES" dirty="0"/>
+              <a:t>DEMO – Servidor </a:t>
+            </a:r>
+            <a:r>
+              <a:rPr lang="es-ES" dirty="0" smtClean="0"/>
+              <a:t>Web de «altas prestaciones»</a:t>
+            </a:r>
             <a:endParaRPr lang="es-ES" dirty="0"/>
+          </a:p>
+        </p:txBody>
+      </p:sp>
+      <p:sp>
+        <p:nvSpPr>
+          <p:cNvPr id="4" name="3 Marcador de contenido"/>
+          <p:cNvSpPr>
+            <a:spLocks noGrp="1"/>
+          </p:cNvSpPr>
+          <p:nvPr>
+            <p:ph idx="1"/>
+          </p:nvPr>
+        </p:nvSpPr>
+        <p:spPr>
+          <a:xfrm>
+            <a:off x="457200" y="1600200"/>
+            <a:ext cx="8229600" cy="4447707"/>
+          </a:xfrm>
+        </p:spPr>
+        <p:txBody>
+          <a:bodyPr>
+            <a:normAutofit/>
+          </a:bodyPr>
+          <a:lstStyle/>
+          <a:p>
+            <a:r>
+              <a:rPr lang="es-ES" sz="4000" dirty="0" smtClean="0"/>
+              <a:t>Balanceador de carga (</a:t>
+            </a:r>
+            <a:r>
+              <a:rPr lang="es-ES" sz="4000" dirty="0" err="1" smtClean="0"/>
+              <a:t>HAProxy</a:t>
+            </a:r>
+            <a:r>
+              <a:rPr lang="es-ES" sz="4000" dirty="0" smtClean="0"/>
+              <a:t>)</a:t>
+            </a:r>
+          </a:p>
+          <a:p>
+            <a:r>
+              <a:rPr lang="es-ES" sz="4000" dirty="0" smtClean="0"/>
+              <a:t>Firewall</a:t>
+            </a:r>
+          </a:p>
+          <a:p>
+            <a:r>
+              <a:rPr lang="es-ES" sz="4000" dirty="0" smtClean="0"/>
+              <a:t>Certificado SSL</a:t>
+            </a:r>
+          </a:p>
+          <a:p>
+            <a:r>
+              <a:rPr lang="es-ES" sz="4000" dirty="0" smtClean="0"/>
+              <a:t>Bases de datos replicadas</a:t>
+            </a:r>
+          </a:p>
+          <a:p>
+            <a:r>
+              <a:rPr lang="es-ES" sz="4000" dirty="0" smtClean="0"/>
+              <a:t>Persistencia en sesiones</a:t>
+            </a:r>
+          </a:p>
+          <a:p>
+            <a:r>
+              <a:rPr lang="es-ES" sz="4000" dirty="0" smtClean="0"/>
+              <a:t>Red interna</a:t>
+            </a:r>
+          </a:p>
+        </p:txBody>
+      </p:sp>
+      <p:sp>
+        <p:nvSpPr>
+          <p:cNvPr id="5" name="4 Rectángulo"/>
+          <p:cNvSpPr/>
+          <p:nvPr/>
+        </p:nvSpPr>
+        <p:spPr>
+          <a:xfrm>
+            <a:off x="3085728" y="5949280"/>
+            <a:ext cx="3197398" cy="646331"/>
+          </a:xfrm>
+          <a:prstGeom prst="rect">
+            <a:avLst/>
+          </a:prstGeom>
+        </p:spPr>
+        <p:txBody>
+          <a:bodyPr wrap="square">
+            <a:spAutoFit/>
+          </a:bodyPr>
+          <a:lstStyle/>
+          <a:p>
+            <a:r>
+              <a:rPr lang="es-ES" sz="3600" dirty="0" smtClean="0">
+                <a:hlinkClick r:id="rId2"/>
+              </a:rPr>
+              <a:t>jugger.sytes.net</a:t>
+            </a:r>
+            <a:endParaRPr lang="es-ES" sz="3600" dirty="0"/>
           </a:p>
         </p:txBody>
       </p:sp>
     </p:spTree>
     <p:extLst>
       <p:ext uri="{BB962C8B-B14F-4D97-AF65-F5344CB8AC3E}">
-        <p14:creationId xmlns:p14="http://schemas.microsoft.com/office/powerpoint/2010/main" val="3414586818"/>
+        <p14:creationId xmlns:p14="http://schemas.microsoft.com/office/powerpoint/2010/main" val="3035873021"/>
       </p:ext>
     </p:extLst>
   </p:cSld>
   <p:clrMapOvr>
     <a:masterClrMapping/>
   </p:clrMapOvr>
+  <p:timing>
+    <p:tnLst>
+      <p:par>
+        <p:cTn id="1" dur="indefinite" restart="never" nodeType="tmRoot"/>
+      </p:par>
+    </p:tnLst>
+  </p:timing>
 </p:sld>
 </file>
 
@@ -4789,33 +5916,260 @@
             <a:spLocks noGrp="1"/>
           </p:cNvSpPr>
           <p:nvPr>
-            <p:ph type="ctrTitle"/>
-          </p:nvPr>
-        </p:nvSpPr>
-        <p:spPr/>
-        <p:txBody>
-          <a:bodyPr/>
-          <a:lstStyle/>
-          <a:p>
-            <a:endParaRPr lang="es-ES"/>
-          </a:p>
-        </p:txBody>
-      </p:sp>
-      <p:sp>
-        <p:nvSpPr>
-          <p:cNvPr id="3" name="2 Subtítulo"/>
-          <p:cNvSpPr>
-            <a:spLocks noGrp="1"/>
-          </p:cNvSpPr>
-          <p:nvPr>
-            <p:ph type="subTitle" idx="1"/>
-          </p:nvPr>
-        </p:nvSpPr>
-        <p:spPr/>
-        <p:txBody>
-          <a:bodyPr/>
-          <a:lstStyle/>
-          <a:p>
+            <p:ph type="title"/>
+          </p:nvPr>
+        </p:nvSpPr>
+        <p:spPr>
+          <a:xfrm>
+            <a:off x="467544" y="188640"/>
+            <a:ext cx="8229600" cy="796950"/>
+          </a:xfrm>
+        </p:spPr>
+        <p:txBody>
+          <a:bodyPr/>
+          <a:lstStyle/>
+          <a:p>
+            <a:r>
+              <a:rPr lang="es-ES" dirty="0" err="1" smtClean="0"/>
+              <a:t>Specs</a:t>
+            </a:r>
+            <a:endParaRPr lang="es-ES" dirty="0"/>
+          </a:p>
+        </p:txBody>
+      </p:sp>
+      <p:sp>
+        <p:nvSpPr>
+          <p:cNvPr id="4" name="3 Marcador de texto"/>
+          <p:cNvSpPr>
+            <a:spLocks noGrp="1"/>
+          </p:cNvSpPr>
+          <p:nvPr>
+            <p:ph type="body" idx="1"/>
+          </p:nvPr>
+        </p:nvSpPr>
+        <p:spPr>
+          <a:xfrm>
+            <a:off x="467544" y="980728"/>
+            <a:ext cx="4040188" cy="639762"/>
+          </a:xfrm>
+        </p:spPr>
+        <p:txBody>
+          <a:bodyPr/>
+          <a:lstStyle/>
+          <a:p>
+            <a:pPr algn="ctr"/>
+            <a:r>
+              <a:rPr lang="es-ES" dirty="0" smtClean="0"/>
+              <a:t>PC (x1)</a:t>
+            </a:r>
+            <a:endParaRPr lang="es-ES" dirty="0"/>
+          </a:p>
+        </p:txBody>
+      </p:sp>
+      <p:sp>
+        <p:nvSpPr>
+          <p:cNvPr id="5" name="4 Marcador de contenido"/>
+          <p:cNvSpPr>
+            <a:spLocks noGrp="1"/>
+          </p:cNvSpPr>
+          <p:nvPr>
+            <p:ph sz="half" idx="2"/>
+          </p:nvPr>
+        </p:nvSpPr>
+        <p:spPr>
+          <a:xfrm>
+            <a:off x="457200" y="1700808"/>
+            <a:ext cx="4040188" cy="4425355"/>
+          </a:xfrm>
+        </p:spPr>
+        <p:txBody>
+          <a:bodyPr/>
+          <a:lstStyle/>
+          <a:p>
+            <a:r>
+              <a:rPr lang="es-ES" sz="1800" dirty="0" smtClean="0"/>
+              <a:t>4C/4T @ 4,3GHz Intel </a:t>
+            </a:r>
+            <a:r>
+              <a:rPr lang="es-ES" sz="1800" dirty="0" err="1" smtClean="0"/>
+              <a:t>Core</a:t>
+            </a:r>
+            <a:r>
+              <a:rPr lang="es-ES" sz="1800" dirty="0" smtClean="0"/>
+              <a:t> I5-4430</a:t>
+            </a:r>
+          </a:p>
+          <a:p>
+            <a:r>
+              <a:rPr lang="es-ES" sz="1800" dirty="0" smtClean="0"/>
+              <a:t>8GB RAM</a:t>
+            </a:r>
+          </a:p>
+          <a:p>
+            <a:r>
+              <a:rPr lang="es-ES" sz="1800" dirty="0" smtClean="0"/>
+              <a:t>240GB SSD</a:t>
+            </a:r>
+          </a:p>
+          <a:p>
+            <a:r>
+              <a:rPr lang="es-ES" sz="1800" dirty="0" smtClean="0"/>
+              <a:t>2x Gigabit NIC</a:t>
+            </a:r>
+          </a:p>
+          <a:p>
+            <a:r>
+              <a:rPr lang="es-ES" sz="1800" dirty="0" smtClean="0"/>
+              <a:t>1x 10/100 NIC</a:t>
+            </a:r>
+          </a:p>
+          <a:p>
+            <a:endParaRPr lang="es-ES" dirty="0"/>
+          </a:p>
+          <a:p>
+            <a:endParaRPr lang="es-ES" dirty="0" smtClean="0"/>
+          </a:p>
+          <a:p>
+            <a:r>
+              <a:rPr lang="es-ES" dirty="0" smtClean="0"/>
+              <a:t>1x </a:t>
+            </a:r>
+            <a:r>
+              <a:rPr lang="es-ES" dirty="0" err="1" smtClean="0"/>
+              <a:t>XenServer</a:t>
+            </a:r>
+            <a:endParaRPr lang="es-ES" dirty="0" smtClean="0"/>
+          </a:p>
+          <a:p>
+            <a:r>
+              <a:rPr lang="es-ES" dirty="0" smtClean="0"/>
+              <a:t>2x Nodo web</a:t>
+            </a:r>
+            <a:endParaRPr lang="es-ES" dirty="0"/>
+          </a:p>
+        </p:txBody>
+      </p:sp>
+      <p:sp>
+        <p:nvSpPr>
+          <p:cNvPr id="6" name="5 Marcador de texto"/>
+          <p:cNvSpPr>
+            <a:spLocks noGrp="1"/>
+          </p:cNvSpPr>
+          <p:nvPr>
+            <p:ph type="body" sz="quarter" idx="3"/>
+          </p:nvPr>
+        </p:nvSpPr>
+        <p:spPr>
+          <a:xfrm>
+            <a:off x="4644008" y="980728"/>
+            <a:ext cx="4041775" cy="639762"/>
+          </a:xfrm>
+        </p:spPr>
+        <p:txBody>
+          <a:bodyPr/>
+          <a:lstStyle/>
+          <a:p>
+            <a:pPr algn="ctr"/>
+            <a:r>
+              <a:rPr lang="es-ES" dirty="0" smtClean="0"/>
+              <a:t>Raspberry PI 3B (x2)</a:t>
+            </a:r>
+            <a:endParaRPr lang="es-ES" dirty="0"/>
+          </a:p>
+        </p:txBody>
+      </p:sp>
+      <p:sp>
+        <p:nvSpPr>
+          <p:cNvPr id="7" name="6 Marcador de contenido"/>
+          <p:cNvSpPr>
+            <a:spLocks noGrp="1"/>
+          </p:cNvSpPr>
+          <p:nvPr>
+            <p:ph sz="quarter" idx="4"/>
+          </p:nvPr>
+        </p:nvSpPr>
+        <p:spPr>
+          <a:xfrm>
+            <a:off x="4645025" y="1700808"/>
+            <a:ext cx="4041775" cy="4425355"/>
+          </a:xfrm>
+        </p:spPr>
+        <p:txBody>
+          <a:bodyPr>
+            <a:normAutofit/>
+          </a:bodyPr>
+          <a:lstStyle/>
+          <a:p>
+            <a:r>
+              <a:rPr lang="es-ES" sz="1800" dirty="0" smtClean="0"/>
+              <a:t>4C/4T @ 1,2GHz </a:t>
+            </a:r>
+            <a:r>
+              <a:rPr lang="es-ES" sz="1800" dirty="0"/>
+              <a:t>Broadcom </a:t>
+            </a:r>
+            <a:r>
+              <a:rPr lang="es-ES" sz="1800" dirty="0" smtClean="0"/>
+              <a:t>BCM2837</a:t>
+            </a:r>
+          </a:p>
+          <a:p>
+            <a:r>
+              <a:rPr lang="es-ES" sz="1800" dirty="0" smtClean="0"/>
+              <a:t>1GB RAM</a:t>
+            </a:r>
+          </a:p>
+          <a:p>
+            <a:r>
+              <a:rPr lang="es-ES" sz="1800" dirty="0" smtClean="0"/>
+              <a:t>16GB Flash</a:t>
+            </a:r>
+          </a:p>
+          <a:p>
+            <a:r>
+              <a:rPr lang="es-ES" sz="1800" dirty="0" smtClean="0"/>
+              <a:t>1x 10/100 NIC</a:t>
+            </a:r>
+          </a:p>
+          <a:p>
+            <a:endParaRPr lang="es-ES" sz="1800" dirty="0"/>
+          </a:p>
+          <a:p>
+            <a:endParaRPr lang="es-ES" sz="1800" dirty="0" smtClean="0"/>
+          </a:p>
+          <a:p>
+            <a:endParaRPr lang="es-ES" sz="1800" dirty="0"/>
+          </a:p>
+          <a:p>
+            <a:endParaRPr lang="es-ES" sz="1800" dirty="0" smtClean="0"/>
+          </a:p>
+          <a:p>
+            <a:r>
+              <a:rPr lang="es-ES" dirty="0" smtClean="0"/>
+              <a:t>1x </a:t>
+            </a:r>
+            <a:r>
+              <a:rPr lang="es-ES" dirty="0" err="1" smtClean="0"/>
+              <a:t>LoadBalancer</a:t>
+            </a:r>
+            <a:r>
+              <a:rPr lang="es-ES" dirty="0" smtClean="0"/>
+              <a:t> (</a:t>
+            </a:r>
+            <a:r>
+              <a:rPr lang="es-ES" dirty="0" err="1" smtClean="0"/>
+              <a:t>HAProxy</a:t>
+            </a:r>
+            <a:r>
+              <a:rPr lang="es-ES" dirty="0" smtClean="0"/>
+              <a:t>)</a:t>
+            </a:r>
+          </a:p>
+          <a:p>
+            <a:r>
+              <a:rPr lang="es-ES" dirty="0" smtClean="0"/>
+              <a:t>1x Firewall</a:t>
+            </a:r>
             <a:endParaRPr lang="es-ES" dirty="0"/>
           </a:p>
         </p:txBody>
@@ -4823,13 +6177,20 @@
     </p:spTree>
     <p:extLst>
       <p:ext uri="{BB962C8B-B14F-4D97-AF65-F5344CB8AC3E}">
-        <p14:creationId xmlns:p14="http://schemas.microsoft.com/office/powerpoint/2010/main" val="515900898"/>
+        <p14:creationId xmlns:p14="http://schemas.microsoft.com/office/powerpoint/2010/main" val="3414586818"/>
       </p:ext>
     </p:extLst>
   </p:cSld>
   <p:clrMapOvr>
     <a:masterClrMapping/>
   </p:clrMapOvr>
+  <p:timing>
+    <p:tnLst>
+      <p:par>
+        <p:cTn id="1" dur="indefinite" restart="never" nodeType="tmRoot"/>
+      </p:par>
+    </p:tnLst>
+  </p:timing>
 </p:sld>
 </file>
 

--- a/trabajo/ppt/Servidores web de altas prestaciones en entornos virtualizados.pptx
+++ b/trabajo/ppt/Servidores web de altas prestaciones en entornos virtualizados.pptx
@@ -12,11 +12,11 @@
     <p:sldId id="264" r:id="rId6"/>
     <p:sldId id="260" r:id="rId7"/>
     <p:sldId id="265" r:id="rId8"/>
-    <p:sldId id="268" r:id="rId9"/>
-    <p:sldId id="266" r:id="rId10"/>
-    <p:sldId id="267" r:id="rId11"/>
-    <p:sldId id="262" r:id="rId12"/>
-    <p:sldId id="269" r:id="rId13"/>
+    <p:sldId id="262" r:id="rId9"/>
+    <p:sldId id="269" r:id="rId10"/>
+    <p:sldId id="268" r:id="rId11"/>
+    <p:sldId id="266" r:id="rId12"/>
+    <p:sldId id="267" r:id="rId13"/>
     <p:sldId id="261" r:id="rId14"/>
     <p:sldId id="263" r:id="rId15"/>
     <p:sldId id="275" r:id="rId16"/>
@@ -305,7 +305,7 @@
           <a:p>
             <a:fld id="{6519E9D0-2B62-4606-BBEB-1C22B968E8ED}" type="datetimeFigureOut">
               <a:rPr lang="es-ES" smtClean="0"/>
-              <a:t>06/05/2018</a:t>
+              <a:t>17/05/2018</a:t>
             </a:fld>
             <a:endParaRPr lang="es-ES"/>
           </a:p>
@@ -475,7 +475,7 @@
           <a:p>
             <a:fld id="{6519E9D0-2B62-4606-BBEB-1C22B968E8ED}" type="datetimeFigureOut">
               <a:rPr lang="es-ES" smtClean="0"/>
-              <a:t>06/05/2018</a:t>
+              <a:t>17/05/2018</a:t>
             </a:fld>
             <a:endParaRPr lang="es-ES"/>
           </a:p>
@@ -655,7 +655,7 @@
           <a:p>
             <a:fld id="{6519E9D0-2B62-4606-BBEB-1C22B968E8ED}" type="datetimeFigureOut">
               <a:rPr lang="es-ES" smtClean="0"/>
-              <a:t>06/05/2018</a:t>
+              <a:t>17/05/2018</a:t>
             </a:fld>
             <a:endParaRPr lang="es-ES"/>
           </a:p>
@@ -825,7 +825,7 @@
           <a:p>
             <a:fld id="{6519E9D0-2B62-4606-BBEB-1C22B968E8ED}" type="datetimeFigureOut">
               <a:rPr lang="es-ES" smtClean="0"/>
-              <a:t>06/05/2018</a:t>
+              <a:t>17/05/2018</a:t>
             </a:fld>
             <a:endParaRPr lang="es-ES"/>
           </a:p>
@@ -1071,7 +1071,7 @@
           <a:p>
             <a:fld id="{6519E9D0-2B62-4606-BBEB-1C22B968E8ED}" type="datetimeFigureOut">
               <a:rPr lang="es-ES" smtClean="0"/>
-              <a:t>06/05/2018</a:t>
+              <a:t>17/05/2018</a:t>
             </a:fld>
             <a:endParaRPr lang="es-ES"/>
           </a:p>
@@ -1359,7 +1359,7 @@
           <a:p>
             <a:fld id="{6519E9D0-2B62-4606-BBEB-1C22B968E8ED}" type="datetimeFigureOut">
               <a:rPr lang="es-ES" smtClean="0"/>
-              <a:t>06/05/2018</a:t>
+              <a:t>17/05/2018</a:t>
             </a:fld>
             <a:endParaRPr lang="es-ES"/>
           </a:p>
@@ -1781,7 +1781,7 @@
           <a:p>
             <a:fld id="{6519E9D0-2B62-4606-BBEB-1C22B968E8ED}" type="datetimeFigureOut">
               <a:rPr lang="es-ES" smtClean="0"/>
-              <a:t>06/05/2018</a:t>
+              <a:t>17/05/2018</a:t>
             </a:fld>
             <a:endParaRPr lang="es-ES"/>
           </a:p>
@@ -1899,7 +1899,7 @@
           <a:p>
             <a:fld id="{6519E9D0-2B62-4606-BBEB-1C22B968E8ED}" type="datetimeFigureOut">
               <a:rPr lang="es-ES" smtClean="0"/>
-              <a:t>06/05/2018</a:t>
+              <a:t>17/05/2018</a:t>
             </a:fld>
             <a:endParaRPr lang="es-ES"/>
           </a:p>
@@ -1994,7 +1994,7 @@
           <a:p>
             <a:fld id="{6519E9D0-2B62-4606-BBEB-1C22B968E8ED}" type="datetimeFigureOut">
               <a:rPr lang="es-ES" smtClean="0"/>
-              <a:t>06/05/2018</a:t>
+              <a:t>17/05/2018</a:t>
             </a:fld>
             <a:endParaRPr lang="es-ES"/>
           </a:p>
@@ -2271,7 +2271,7 @@
           <a:p>
             <a:fld id="{6519E9D0-2B62-4606-BBEB-1C22B968E8ED}" type="datetimeFigureOut">
               <a:rPr lang="es-ES" smtClean="0"/>
-              <a:t>06/05/2018</a:t>
+              <a:t>17/05/2018</a:t>
             </a:fld>
             <a:endParaRPr lang="es-ES"/>
           </a:p>
@@ -2524,7 +2524,7 @@
           <a:p>
             <a:fld id="{6519E9D0-2B62-4606-BBEB-1C22B968E8ED}" type="datetimeFigureOut">
               <a:rPr lang="es-ES" smtClean="0"/>
-              <a:t>06/05/2018</a:t>
+              <a:t>17/05/2018</a:t>
             </a:fld>
             <a:endParaRPr lang="es-ES"/>
           </a:p>
@@ -2747,7 +2747,7 @@
           <a:p>
             <a:fld id="{6519E9D0-2B62-4606-BBEB-1C22B968E8ED}" type="datetimeFigureOut">
               <a:rPr lang="es-ES" smtClean="0"/>
-              <a:t>06/05/2018</a:t>
+              <a:t>17/05/2018</a:t>
             </a:fld>
             <a:endParaRPr lang="es-ES"/>
           </a:p>
@@ -3250,91 +3250,116 @@
           <a:chExt cx="0" cy="0"/>
         </a:xfrm>
       </p:grpSpPr>
-      <p:pic>
-        <p:nvPicPr>
-          <p:cNvPr id="4098" name="Picture 2" descr="C:\Users\Angel\Dropbox\Universidad\Tercero\Segundo Cuatri\SWAP\trabajo\images\home.PNG"/>
-          <p:cNvPicPr>
-            <a:picLocks noChangeAspect="1" noChangeArrowheads="1"/>
-          </p:cNvPicPr>
+      <p:sp>
+        <p:nvSpPr>
+          <p:cNvPr id="2" name="1 Título"/>
+          <p:cNvSpPr>
+            <a:spLocks noGrp="1"/>
+          </p:cNvSpPr>
+          <p:nvPr>
+            <p:ph type="title"/>
+          </p:nvPr>
+        </p:nvSpPr>
+        <p:spPr/>
+        <p:txBody>
+          <a:bodyPr>
+            <a:normAutofit fontScale="90000"/>
+          </a:bodyPr>
+          <a:lstStyle/>
+          <a:p>
+            <a:r>
+              <a:rPr lang="es-ES" dirty="0"/>
+              <a:t>DEMO – Servidor </a:t>
+            </a:r>
+            <a:r>
+              <a:rPr lang="es-ES" dirty="0" smtClean="0"/>
+              <a:t>Web de «altas prestaciones»</a:t>
+            </a:r>
+            <a:endParaRPr lang="es-ES" dirty="0"/>
+          </a:p>
+        </p:txBody>
+      </p:sp>
+      <p:sp>
+        <p:nvSpPr>
+          <p:cNvPr id="4" name="3 Marcador de contenido"/>
+          <p:cNvSpPr>
+            <a:spLocks noGrp="1"/>
+          </p:cNvSpPr>
+          <p:nvPr>
+            <p:ph idx="1"/>
+          </p:nvPr>
+        </p:nvSpPr>
+        <p:spPr>
+          <a:xfrm>
+            <a:off x="457200" y="1600200"/>
+            <a:ext cx="8229600" cy="4447707"/>
+          </a:xfrm>
+        </p:spPr>
+        <p:txBody>
+          <a:bodyPr>
+            <a:normAutofit/>
+          </a:bodyPr>
+          <a:lstStyle/>
+          <a:p>
+            <a:r>
+              <a:rPr lang="es-ES" sz="4000" dirty="0" smtClean="0"/>
+              <a:t>Balanceador de carga (</a:t>
+            </a:r>
+            <a:r>
+              <a:rPr lang="es-ES" sz="4000" dirty="0" err="1" smtClean="0"/>
+              <a:t>HAProxy</a:t>
+            </a:r>
+            <a:r>
+              <a:rPr lang="es-ES" sz="4000" dirty="0" smtClean="0"/>
+              <a:t>)</a:t>
+            </a:r>
+          </a:p>
+          <a:p>
+            <a:r>
+              <a:rPr lang="es-ES" sz="4000" dirty="0" smtClean="0"/>
+              <a:t>Firewall</a:t>
+            </a:r>
+          </a:p>
+          <a:p>
+            <a:r>
+              <a:rPr lang="es-ES" sz="4000" dirty="0" smtClean="0"/>
+              <a:t>Certificado SSL</a:t>
+            </a:r>
+          </a:p>
+          <a:p>
+            <a:r>
+              <a:rPr lang="es-ES" sz="4000" dirty="0" smtClean="0"/>
+              <a:t>Bases de datos replicadas</a:t>
+            </a:r>
+          </a:p>
+          <a:p>
+            <a:r>
+              <a:rPr lang="es-ES" sz="4000" dirty="0" smtClean="0"/>
+              <a:t>Persistencia en sesiones</a:t>
+            </a:r>
+          </a:p>
+          <a:p>
+            <a:r>
+              <a:rPr lang="es-ES" sz="4000" dirty="0" smtClean="0"/>
+              <a:t>Red interna</a:t>
+            </a:r>
+          </a:p>
+        </p:txBody>
+      </p:sp>
+      <p:sp>
+        <p:nvSpPr>
+          <p:cNvPr id="5" name="4 Rectángulo"/>
+          <p:cNvSpPr/>
           <p:nvPr/>
-        </p:nvPicPr>
-        <p:blipFill>
-          <a:blip r:embed="rId2">
-            <a:extLst>
-              <a:ext uri="{28A0092B-C50C-407E-A947-70E740481C1C}">
-                <a14:useLocalDpi xmlns:a14="http://schemas.microsoft.com/office/drawing/2010/main" val="0"/>
-              </a:ext>
-            </a:extLst>
-          </a:blip>
-          <a:srcRect/>
-          <a:stretch>
-            <a:fillRect/>
-          </a:stretch>
-        </p:blipFill>
-        <p:spPr bwMode="auto">
-          <a:xfrm>
-            <a:off x="333524" y="1268760"/>
-            <a:ext cx="8433698" cy="4032448"/>
+        </p:nvSpPr>
+        <p:spPr>
+          <a:xfrm>
+            <a:off x="3085728" y="5949280"/>
+            <a:ext cx="3197398" cy="646331"/>
           </a:xfrm>
           <a:prstGeom prst="rect">
             <a:avLst/>
           </a:prstGeom>
-          <a:noFill/>
-          <a:extLst>
-            <a:ext uri="{909E8E84-426E-40DD-AFC4-6F175D3DCCD1}">
-              <a14:hiddenFill xmlns:a14="http://schemas.microsoft.com/office/drawing/2010/main">
-                <a:solidFill>
-                  <a:srgbClr val="FFFFFF"/>
-                </a:solidFill>
-              </a14:hiddenFill>
-            </a:ext>
-          </a:extLst>
-        </p:spPr>
-      </p:pic>
-      <p:sp>
-        <p:nvSpPr>
-          <p:cNvPr id="4" name="3 Título"/>
-          <p:cNvSpPr>
-            <a:spLocks noGrp="1"/>
-          </p:cNvSpPr>
-          <p:nvPr>
-            <p:ph type="title"/>
-          </p:nvPr>
-        </p:nvSpPr>
-        <p:spPr>
-          <a:xfrm>
-            <a:off x="435573" y="332656"/>
-            <a:ext cx="8229600" cy="868958"/>
-          </a:xfrm>
-        </p:spPr>
-        <p:txBody>
-          <a:bodyPr>
-            <a:normAutofit/>
-          </a:bodyPr>
-          <a:lstStyle/>
-          <a:p>
-            <a:r>
-              <a:rPr lang="es-ES" dirty="0" smtClean="0"/>
-              <a:t>WEB</a:t>
-            </a:r>
-            <a:endParaRPr lang="es-ES" dirty="0"/>
-          </a:p>
-        </p:txBody>
-      </p:sp>
-      <p:sp>
-        <p:nvSpPr>
-          <p:cNvPr id="8" name="7 Rectángulo"/>
-          <p:cNvSpPr/>
-          <p:nvPr/>
-        </p:nvSpPr>
-        <p:spPr>
-          <a:xfrm>
-            <a:off x="2066346" y="5805264"/>
-            <a:ext cx="4968054" cy="769441"/>
-          </a:xfrm>
-          <a:prstGeom prst="rect">
-            <a:avLst/>
-          </a:prstGeom>
         </p:spPr>
         <p:txBody>
           <a:bodyPr wrap="square">
@@ -3343,25 +3368,19 @@
           <a:lstStyle/>
           <a:p>
             <a:r>
-              <a:rPr lang="es-ES" sz="4400" dirty="0" smtClean="0">
-                <a:hlinkClick r:id="rId3"/>
+              <a:rPr lang="es-ES" sz="3600" dirty="0" smtClean="0">
+                <a:hlinkClick r:id="rId2"/>
               </a:rPr>
-              <a:t>Desarrollo en </a:t>
-            </a:r>
-            <a:r>
-              <a:rPr lang="es-ES" sz="4400" dirty="0" err="1" smtClean="0">
-                <a:hlinkClick r:id="rId3"/>
-              </a:rPr>
-              <a:t>GitHub</a:t>
-            </a:r>
-            <a:endParaRPr lang="es-ES" sz="4400" dirty="0"/>
+              <a:t>jugger.sytes.net</a:t>
+            </a:r>
+            <a:endParaRPr lang="es-ES" sz="3600" dirty="0"/>
           </a:p>
         </p:txBody>
       </p:sp>
     </p:spTree>
     <p:extLst>
       <p:ext uri="{BB962C8B-B14F-4D97-AF65-F5344CB8AC3E}">
-        <p14:creationId xmlns:p14="http://schemas.microsoft.com/office/powerpoint/2010/main" val="515900898"/>
+        <p14:creationId xmlns:p14="http://schemas.microsoft.com/office/powerpoint/2010/main" val="3035873021"/>
       </p:ext>
     </p:extLst>
   </p:cSld>
@@ -3402,13 +3421,13 @@
             <a:spLocks noGrp="1"/>
           </p:cNvSpPr>
           <p:nvPr>
-            <p:ph type="ctrTitle"/>
+            <p:ph type="title"/>
           </p:nvPr>
         </p:nvSpPr>
         <p:spPr>
           <a:xfrm>
-            <a:off x="683568" y="188640"/>
-            <a:ext cx="7772400" cy="819522"/>
+            <a:off x="467544" y="188640"/>
+            <a:ext cx="8229600" cy="796950"/>
           </a:xfrm>
         </p:spPr>
         <p:txBody>
@@ -3417,57 +3436,253 @@
           <a:p>
             <a:r>
               <a:rPr lang="es-ES" dirty="0" err="1" smtClean="0"/>
-              <a:t>XenCenter</a:t>
+              <a:t>Specs</a:t>
             </a:r>
             <a:endParaRPr lang="es-ES" dirty="0"/>
           </a:p>
         </p:txBody>
       </p:sp>
-      <p:pic>
-        <p:nvPicPr>
-          <p:cNvPr id="6146" name="Picture 2" descr="C:\Users\Angel\Dropbox\Universidad\Tercero\Segundo Cuatri\SWAP\trabajo\images\XEN\3.PNG"/>
-          <p:cNvPicPr>
-            <a:picLocks noChangeAspect="1" noChangeArrowheads="1"/>
-          </p:cNvPicPr>
-          <p:nvPr/>
-        </p:nvPicPr>
-        <p:blipFill>
-          <a:blip r:embed="rId2">
-            <a:extLst>
-              <a:ext uri="{28A0092B-C50C-407E-A947-70E740481C1C}">
-                <a14:useLocalDpi xmlns:a14="http://schemas.microsoft.com/office/drawing/2010/main" val="0"/>
-              </a:ext>
-            </a:extLst>
-          </a:blip>
-          <a:srcRect/>
-          <a:stretch>
-            <a:fillRect/>
-          </a:stretch>
-        </p:blipFill>
-        <p:spPr bwMode="auto">
-          <a:xfrm>
-            <a:off x="1475656" y="1196752"/>
-            <a:ext cx="6192688" cy="5320336"/>
-          </a:xfrm>
-          <a:prstGeom prst="rect">
-            <a:avLst/>
-          </a:prstGeom>
-          <a:noFill/>
-          <a:extLst>
-            <a:ext uri="{909E8E84-426E-40DD-AFC4-6F175D3DCCD1}">
-              <a14:hiddenFill xmlns:a14="http://schemas.microsoft.com/office/drawing/2010/main">
-                <a:solidFill>
-                  <a:srgbClr val="FFFFFF"/>
-                </a:solidFill>
-              </a14:hiddenFill>
-            </a:ext>
-          </a:extLst>
-        </p:spPr>
-      </p:pic>
+      <p:sp>
+        <p:nvSpPr>
+          <p:cNvPr id="4" name="3 Marcador de texto"/>
+          <p:cNvSpPr>
+            <a:spLocks noGrp="1"/>
+          </p:cNvSpPr>
+          <p:nvPr>
+            <p:ph type="body" idx="1"/>
+          </p:nvPr>
+        </p:nvSpPr>
+        <p:spPr>
+          <a:xfrm>
+            <a:off x="467544" y="980728"/>
+            <a:ext cx="4040188" cy="639762"/>
+          </a:xfrm>
+        </p:spPr>
+        <p:txBody>
+          <a:bodyPr/>
+          <a:lstStyle/>
+          <a:p>
+            <a:pPr algn="ctr"/>
+            <a:r>
+              <a:rPr lang="es-ES" dirty="0" smtClean="0"/>
+              <a:t>PC (x1)</a:t>
+            </a:r>
+            <a:endParaRPr lang="es-ES" dirty="0"/>
+          </a:p>
+        </p:txBody>
+      </p:sp>
+      <p:sp>
+        <p:nvSpPr>
+          <p:cNvPr id="5" name="4 Marcador de contenido"/>
+          <p:cNvSpPr>
+            <a:spLocks noGrp="1"/>
+          </p:cNvSpPr>
+          <p:nvPr>
+            <p:ph sz="half" idx="2"/>
+          </p:nvPr>
+        </p:nvSpPr>
+        <p:spPr>
+          <a:xfrm>
+            <a:off x="457200" y="1700808"/>
+            <a:ext cx="4040188" cy="4425355"/>
+          </a:xfrm>
+        </p:spPr>
+        <p:txBody>
+          <a:bodyPr/>
+          <a:lstStyle/>
+          <a:p>
+            <a:r>
+              <a:rPr lang="es-ES" sz="1800" dirty="0" smtClean="0"/>
+              <a:t>4C/4T @ 4,3GHz Intel </a:t>
+            </a:r>
+            <a:r>
+              <a:rPr lang="es-ES" sz="1800" dirty="0" err="1" smtClean="0"/>
+              <a:t>Core</a:t>
+            </a:r>
+            <a:r>
+              <a:rPr lang="es-ES" sz="1800" dirty="0" smtClean="0"/>
+              <a:t> I5-4430</a:t>
+            </a:r>
+          </a:p>
+          <a:p>
+            <a:r>
+              <a:rPr lang="es-ES" sz="1800" dirty="0" smtClean="0"/>
+              <a:t>8GB RAM</a:t>
+            </a:r>
+          </a:p>
+          <a:p>
+            <a:r>
+              <a:rPr lang="es-ES" sz="1800" dirty="0" smtClean="0"/>
+              <a:t>240GB SSD</a:t>
+            </a:r>
+          </a:p>
+          <a:p>
+            <a:r>
+              <a:rPr lang="es-ES" sz="1800" dirty="0" smtClean="0"/>
+              <a:t>2x Gigabit NIC</a:t>
+            </a:r>
+          </a:p>
+          <a:p>
+            <a:r>
+              <a:rPr lang="es-ES" sz="1800" dirty="0" smtClean="0"/>
+              <a:t>1x 10/100 NIC</a:t>
+            </a:r>
+          </a:p>
+          <a:p>
+            <a:endParaRPr lang="es-ES" dirty="0"/>
+          </a:p>
+          <a:p>
+            <a:endParaRPr lang="es-ES" dirty="0" smtClean="0"/>
+          </a:p>
+          <a:p>
+            <a:r>
+              <a:rPr lang="es-ES" dirty="0" smtClean="0"/>
+              <a:t>1x </a:t>
+            </a:r>
+            <a:r>
+              <a:rPr lang="es-ES" dirty="0" err="1" smtClean="0"/>
+              <a:t>XenServer</a:t>
+            </a:r>
+            <a:endParaRPr lang="es-ES" dirty="0" smtClean="0"/>
+          </a:p>
+          <a:p>
+            <a:r>
+              <a:rPr lang="es-ES" dirty="0" smtClean="0"/>
+              <a:t>2x Nodo web</a:t>
+            </a:r>
+            <a:endParaRPr lang="es-ES" dirty="0"/>
+          </a:p>
+        </p:txBody>
+      </p:sp>
+      <p:sp>
+        <p:nvSpPr>
+          <p:cNvPr id="6" name="5 Marcador de texto"/>
+          <p:cNvSpPr>
+            <a:spLocks noGrp="1"/>
+          </p:cNvSpPr>
+          <p:nvPr>
+            <p:ph type="body" sz="quarter" idx="3"/>
+          </p:nvPr>
+        </p:nvSpPr>
+        <p:spPr>
+          <a:xfrm>
+            <a:off x="4644008" y="980728"/>
+            <a:ext cx="4041775" cy="639762"/>
+          </a:xfrm>
+        </p:spPr>
+        <p:txBody>
+          <a:bodyPr/>
+          <a:lstStyle/>
+          <a:p>
+            <a:pPr algn="ctr"/>
+            <a:r>
+              <a:rPr lang="es-ES" dirty="0" smtClean="0"/>
+              <a:t>Raspberry PI 3B (x2)</a:t>
+            </a:r>
+            <a:endParaRPr lang="es-ES" dirty="0"/>
+          </a:p>
+        </p:txBody>
+      </p:sp>
+      <p:sp>
+        <p:nvSpPr>
+          <p:cNvPr id="7" name="6 Marcador de contenido"/>
+          <p:cNvSpPr>
+            <a:spLocks noGrp="1"/>
+          </p:cNvSpPr>
+          <p:nvPr>
+            <p:ph sz="quarter" idx="4"/>
+          </p:nvPr>
+        </p:nvSpPr>
+        <p:spPr>
+          <a:xfrm>
+            <a:off x="4645025" y="1700808"/>
+            <a:ext cx="4041775" cy="4425355"/>
+          </a:xfrm>
+        </p:spPr>
+        <p:txBody>
+          <a:bodyPr>
+            <a:normAutofit/>
+          </a:bodyPr>
+          <a:lstStyle/>
+          <a:p>
+            <a:r>
+              <a:rPr lang="es-ES" sz="1800" dirty="0" smtClean="0"/>
+              <a:t>4C/4T @ 1,2GHz </a:t>
+            </a:r>
+            <a:r>
+              <a:rPr lang="es-ES" sz="1800" dirty="0"/>
+              <a:t>Broadcom </a:t>
+            </a:r>
+            <a:r>
+              <a:rPr lang="es-ES" sz="1800" dirty="0" smtClean="0"/>
+              <a:t>BCM2837</a:t>
+            </a:r>
+          </a:p>
+          <a:p>
+            <a:r>
+              <a:rPr lang="es-ES" sz="1800" dirty="0" smtClean="0"/>
+              <a:t>1GB RAM</a:t>
+            </a:r>
+          </a:p>
+          <a:p>
+            <a:r>
+              <a:rPr lang="es-ES" sz="1800" dirty="0" smtClean="0"/>
+              <a:t>16GB Flash</a:t>
+            </a:r>
+          </a:p>
+          <a:p>
+            <a:r>
+              <a:rPr lang="es-ES" sz="1800" dirty="0" smtClean="0"/>
+              <a:t>1x 10/100 NIC</a:t>
+            </a:r>
+          </a:p>
+          <a:p>
+            <a:endParaRPr lang="es-ES" sz="1800" dirty="0"/>
+          </a:p>
+          <a:p>
+            <a:endParaRPr lang="es-ES" sz="1800" dirty="0" smtClean="0"/>
+          </a:p>
+          <a:p>
+            <a:endParaRPr lang="es-ES" sz="1800" dirty="0"/>
+          </a:p>
+          <a:p>
+            <a:endParaRPr lang="es-ES" sz="1800" dirty="0" smtClean="0"/>
+          </a:p>
+          <a:p>
+            <a:r>
+              <a:rPr lang="es-ES" dirty="0" smtClean="0"/>
+              <a:t>1x </a:t>
+            </a:r>
+            <a:r>
+              <a:rPr lang="es-ES" dirty="0" err="1" smtClean="0"/>
+              <a:t>LoadBalancer</a:t>
+            </a:r>
+            <a:r>
+              <a:rPr lang="es-ES" dirty="0" smtClean="0"/>
+              <a:t> (</a:t>
+            </a:r>
+            <a:r>
+              <a:rPr lang="es-ES" dirty="0" err="1" smtClean="0"/>
+              <a:t>HAProxy</a:t>
+            </a:r>
+            <a:r>
+              <a:rPr lang="es-ES" dirty="0" smtClean="0"/>
+              <a:t>)</a:t>
+            </a:r>
+          </a:p>
+          <a:p>
+            <a:r>
+              <a:rPr lang="es-ES" dirty="0" smtClean="0"/>
+              <a:t>1x Firewall</a:t>
+            </a:r>
+            <a:endParaRPr lang="es-ES" dirty="0"/>
+          </a:p>
+        </p:txBody>
+      </p:sp>
     </p:spTree>
     <p:extLst>
       <p:ext uri="{BB962C8B-B14F-4D97-AF65-F5344CB8AC3E}">
-        <p14:creationId xmlns:p14="http://schemas.microsoft.com/office/powerpoint/2010/main" val="2376691357"/>
+        <p14:creationId xmlns:p14="http://schemas.microsoft.com/office/powerpoint/2010/main" val="3414586818"/>
       </p:ext>
     </p:extLst>
   </p:cSld>
@@ -3501,37 +3716,9 @@
           <a:chExt cx="0" cy="0"/>
         </a:xfrm>
       </p:grpSpPr>
-      <p:sp>
-        <p:nvSpPr>
-          <p:cNvPr id="2" name="1 Título"/>
-          <p:cNvSpPr>
-            <a:spLocks noGrp="1"/>
-          </p:cNvSpPr>
-          <p:nvPr>
-            <p:ph type="ctrTitle"/>
-          </p:nvPr>
-        </p:nvSpPr>
-        <p:spPr>
-          <a:xfrm>
-            <a:off x="683568" y="188640"/>
-            <a:ext cx="7772400" cy="819522"/>
-          </a:xfrm>
-        </p:spPr>
-        <p:txBody>
-          <a:bodyPr/>
-          <a:lstStyle/>
-          <a:p>
-            <a:r>
-              <a:rPr lang="es-ES" dirty="0" err="1" smtClean="0"/>
-              <a:t>XenCenter</a:t>
-            </a:r>
-            <a:endParaRPr lang="es-ES" dirty="0"/>
-          </a:p>
-        </p:txBody>
-      </p:sp>
       <p:pic>
         <p:nvPicPr>
-          <p:cNvPr id="7170" name="Picture 2" descr="C:\Users\Angel\Dropbox\Universidad\Tercero\Segundo Cuatri\SWAP\trabajo\images\XEN\4.PNG"/>
+          <p:cNvPr id="4098" name="Picture 2" descr="C:\Users\Angel\Dropbox\Universidad\Tercero\Segundo Cuatri\SWAP\trabajo\images\home.PNG"/>
           <p:cNvPicPr>
             <a:picLocks noChangeAspect="1" noChangeArrowheads="1"/>
           </p:cNvPicPr>
@@ -3552,8 +3739,8 @@
         </p:blipFill>
         <p:spPr bwMode="auto">
           <a:xfrm>
-            <a:off x="323528" y="1484784"/>
-            <a:ext cx="8448589" cy="4689726"/>
+            <a:off x="333524" y="1268760"/>
+            <a:ext cx="8433698" cy="4032448"/>
           </a:xfrm>
           <a:prstGeom prst="rect">
             <a:avLst/>
@@ -3570,10 +3757,77 @@
           </a:extLst>
         </p:spPr>
       </p:pic>
+      <p:sp>
+        <p:nvSpPr>
+          <p:cNvPr id="4" name="3 Título"/>
+          <p:cNvSpPr>
+            <a:spLocks noGrp="1"/>
+          </p:cNvSpPr>
+          <p:nvPr>
+            <p:ph type="title"/>
+          </p:nvPr>
+        </p:nvSpPr>
+        <p:spPr>
+          <a:xfrm>
+            <a:off x="435573" y="332656"/>
+            <a:ext cx="8229600" cy="868958"/>
+          </a:xfrm>
+        </p:spPr>
+        <p:txBody>
+          <a:bodyPr>
+            <a:normAutofit/>
+          </a:bodyPr>
+          <a:lstStyle/>
+          <a:p>
+            <a:r>
+              <a:rPr lang="es-ES" dirty="0" smtClean="0"/>
+              <a:t>WEB</a:t>
+            </a:r>
+            <a:endParaRPr lang="es-ES" dirty="0"/>
+          </a:p>
+        </p:txBody>
+      </p:sp>
+      <p:sp>
+        <p:nvSpPr>
+          <p:cNvPr id="8" name="7 Rectángulo"/>
+          <p:cNvSpPr/>
+          <p:nvPr/>
+        </p:nvSpPr>
+        <p:spPr>
+          <a:xfrm>
+            <a:off x="2066346" y="5805264"/>
+            <a:ext cx="4968054" cy="769441"/>
+          </a:xfrm>
+          <a:prstGeom prst="rect">
+            <a:avLst/>
+          </a:prstGeom>
+        </p:spPr>
+        <p:txBody>
+          <a:bodyPr wrap="square">
+            <a:spAutoFit/>
+          </a:bodyPr>
+          <a:lstStyle/>
+          <a:p>
+            <a:r>
+              <a:rPr lang="es-ES" sz="4400" dirty="0" smtClean="0">
+                <a:hlinkClick r:id="rId3"/>
+              </a:rPr>
+              <a:t>Desarrollo en </a:t>
+            </a:r>
+            <a:r>
+              <a:rPr lang="es-ES" sz="4400" dirty="0" err="1" smtClean="0">
+                <a:hlinkClick r:id="rId3"/>
+              </a:rPr>
+              <a:t>GitHub</a:t>
+            </a:r>
+            <a:endParaRPr lang="es-ES" sz="4400" dirty="0"/>
+          </a:p>
+        </p:txBody>
+      </p:sp>
     </p:spTree>
     <p:extLst>
       <p:ext uri="{BB962C8B-B14F-4D97-AF65-F5344CB8AC3E}">
-        <p14:creationId xmlns:p14="http://schemas.microsoft.com/office/powerpoint/2010/main" val="3197793675"/>
+        <p14:creationId xmlns:p14="http://schemas.microsoft.com/office/powerpoint/2010/main" val="515900898"/>
       </p:ext>
     </p:extLst>
   </p:cSld>
@@ -4542,11 +4796,15 @@
             </a:r>
             <a:r>
               <a:rPr lang="es-ES" dirty="0" smtClean="0"/>
-              <a:t>máquina, </a:t>
+              <a:t>máquina</a:t>
             </a:r>
             <a:r>
               <a:rPr lang="es-ES" dirty="0"/>
-              <a:t>llamada </a:t>
+              <a:t> </a:t>
+            </a:r>
+            <a:r>
+              <a:rPr lang="es-ES" dirty="0" smtClean="0"/>
+              <a:t>mediante un </a:t>
             </a:r>
             <a:r>
               <a:rPr lang="es-ES" dirty="0" err="1" smtClean="0"/>
@@ -5752,130 +6010,72 @@
             <a:spLocks noGrp="1"/>
           </p:cNvSpPr>
           <p:nvPr>
-            <p:ph type="title"/>
-          </p:nvPr>
-        </p:nvSpPr>
-        <p:spPr/>
-        <p:txBody>
-          <a:bodyPr>
-            <a:normAutofit fontScale="90000"/>
-          </a:bodyPr>
-          <a:lstStyle/>
-          <a:p>
-            <a:r>
-              <a:rPr lang="es-ES" dirty="0"/>
-              <a:t>DEMO – Servidor </a:t>
-            </a:r>
-            <a:r>
-              <a:rPr lang="es-ES" dirty="0" smtClean="0"/>
-              <a:t>Web de «altas prestaciones»</a:t>
+            <p:ph type="ctrTitle"/>
+          </p:nvPr>
+        </p:nvSpPr>
+        <p:spPr>
+          <a:xfrm>
+            <a:off x="683568" y="188640"/>
+            <a:ext cx="7772400" cy="819522"/>
+          </a:xfrm>
+        </p:spPr>
+        <p:txBody>
+          <a:bodyPr/>
+          <a:lstStyle/>
+          <a:p>
+            <a:r>
+              <a:rPr lang="es-ES" dirty="0" err="1" smtClean="0"/>
+              <a:t>XenCenter</a:t>
             </a:r>
             <a:endParaRPr lang="es-ES" dirty="0"/>
           </a:p>
         </p:txBody>
       </p:sp>
-      <p:sp>
-        <p:nvSpPr>
-          <p:cNvPr id="4" name="3 Marcador de contenido"/>
-          <p:cNvSpPr>
-            <a:spLocks noGrp="1"/>
-          </p:cNvSpPr>
-          <p:nvPr>
-            <p:ph idx="1"/>
-          </p:nvPr>
-        </p:nvSpPr>
-        <p:spPr>
-          <a:xfrm>
-            <a:off x="457200" y="1600200"/>
-            <a:ext cx="8229600" cy="4447707"/>
-          </a:xfrm>
-        </p:spPr>
-        <p:txBody>
-          <a:bodyPr>
-            <a:normAutofit/>
-          </a:bodyPr>
-          <a:lstStyle/>
-          <a:p>
-            <a:r>
-              <a:rPr lang="es-ES" sz="4000" dirty="0" smtClean="0"/>
-              <a:t>Balanceador de carga (</a:t>
-            </a:r>
-            <a:r>
-              <a:rPr lang="es-ES" sz="4000" dirty="0" err="1" smtClean="0"/>
-              <a:t>HAProxy</a:t>
-            </a:r>
-            <a:r>
-              <a:rPr lang="es-ES" sz="4000" dirty="0" smtClean="0"/>
-              <a:t>)</a:t>
-            </a:r>
-          </a:p>
-          <a:p>
-            <a:r>
-              <a:rPr lang="es-ES" sz="4000" dirty="0" smtClean="0"/>
-              <a:t>Firewall</a:t>
-            </a:r>
-          </a:p>
-          <a:p>
-            <a:r>
-              <a:rPr lang="es-ES" sz="4000" dirty="0" smtClean="0"/>
-              <a:t>Certificado SSL</a:t>
-            </a:r>
-          </a:p>
-          <a:p>
-            <a:r>
-              <a:rPr lang="es-ES" sz="4000" dirty="0" smtClean="0"/>
-              <a:t>Bases de datos replicadas</a:t>
-            </a:r>
-          </a:p>
-          <a:p>
-            <a:r>
-              <a:rPr lang="es-ES" sz="4000" dirty="0" smtClean="0"/>
-              <a:t>Persistencia en sesiones</a:t>
-            </a:r>
-          </a:p>
-          <a:p>
-            <a:r>
-              <a:rPr lang="es-ES" sz="4000" dirty="0" smtClean="0"/>
-              <a:t>Red interna</a:t>
-            </a:r>
-          </a:p>
-        </p:txBody>
-      </p:sp>
-      <p:sp>
-        <p:nvSpPr>
-          <p:cNvPr id="5" name="4 Rectángulo"/>
-          <p:cNvSpPr/>
+      <p:pic>
+        <p:nvPicPr>
+          <p:cNvPr id="6146" name="Picture 2" descr="C:\Users\Angel\Dropbox\Universidad\Tercero\Segundo Cuatri\SWAP\trabajo\images\XEN\3.PNG"/>
+          <p:cNvPicPr>
+            <a:picLocks noChangeAspect="1" noChangeArrowheads="1"/>
+          </p:cNvPicPr>
           <p:nvPr/>
-        </p:nvSpPr>
-        <p:spPr>
-          <a:xfrm>
-            <a:off x="3085728" y="5949280"/>
-            <a:ext cx="3197398" cy="646331"/>
+        </p:nvPicPr>
+        <p:blipFill>
+          <a:blip r:embed="rId2">
+            <a:extLst>
+              <a:ext uri="{28A0092B-C50C-407E-A947-70E740481C1C}">
+                <a14:useLocalDpi xmlns:a14="http://schemas.microsoft.com/office/drawing/2010/main" val="0"/>
+              </a:ext>
+            </a:extLst>
+          </a:blip>
+          <a:srcRect/>
+          <a:stretch>
+            <a:fillRect/>
+          </a:stretch>
+        </p:blipFill>
+        <p:spPr bwMode="auto">
+          <a:xfrm>
+            <a:off x="1475656" y="1196752"/>
+            <a:ext cx="6192688" cy="5320336"/>
           </a:xfrm>
           <a:prstGeom prst="rect">
             <a:avLst/>
           </a:prstGeom>
-        </p:spPr>
-        <p:txBody>
-          <a:bodyPr wrap="square">
-            <a:spAutoFit/>
-          </a:bodyPr>
-          <a:lstStyle/>
-          <a:p>
-            <a:r>
-              <a:rPr lang="es-ES" sz="3600" dirty="0" smtClean="0">
-                <a:hlinkClick r:id="rId2"/>
-              </a:rPr>
-              <a:t>jugger.sytes.net</a:t>
-            </a:r>
-            <a:endParaRPr lang="es-ES" sz="3600" dirty="0"/>
-          </a:p>
-        </p:txBody>
-      </p:sp>
+          <a:noFill/>
+          <a:extLst>
+            <a:ext uri="{909E8E84-426E-40DD-AFC4-6F175D3DCCD1}">
+              <a14:hiddenFill xmlns:a14="http://schemas.microsoft.com/office/drawing/2010/main">
+                <a:solidFill>
+                  <a:srgbClr val="FFFFFF"/>
+                </a:solidFill>
+              </a14:hiddenFill>
+            </a:ext>
+          </a:extLst>
+        </p:spPr>
+      </p:pic>
     </p:spTree>
     <p:extLst>
       <p:ext uri="{BB962C8B-B14F-4D97-AF65-F5344CB8AC3E}">
-        <p14:creationId xmlns:p14="http://schemas.microsoft.com/office/powerpoint/2010/main" val="3035873021"/>
+        <p14:creationId xmlns:p14="http://schemas.microsoft.com/office/powerpoint/2010/main" val="2376691357"/>
       </p:ext>
     </p:extLst>
   </p:cSld>
@@ -5916,13 +6116,13 @@
             <a:spLocks noGrp="1"/>
           </p:cNvSpPr>
           <p:nvPr>
-            <p:ph type="title"/>
+            <p:ph type="ctrTitle"/>
           </p:nvPr>
         </p:nvSpPr>
         <p:spPr>
           <a:xfrm>
-            <a:off x="467544" y="188640"/>
-            <a:ext cx="8229600" cy="796950"/>
+            <a:off x="683568" y="188640"/>
+            <a:ext cx="7772400" cy="819522"/>
           </a:xfrm>
         </p:spPr>
         <p:txBody>
@@ -5931,253 +6131,57 @@
           <a:p>
             <a:r>
               <a:rPr lang="es-ES" dirty="0" err="1" smtClean="0"/>
-              <a:t>Specs</a:t>
+              <a:t>XenCenter</a:t>
             </a:r>
             <a:endParaRPr lang="es-ES" dirty="0"/>
           </a:p>
         </p:txBody>
       </p:sp>
-      <p:sp>
-        <p:nvSpPr>
-          <p:cNvPr id="4" name="3 Marcador de texto"/>
-          <p:cNvSpPr>
-            <a:spLocks noGrp="1"/>
-          </p:cNvSpPr>
-          <p:nvPr>
-            <p:ph type="body" idx="1"/>
-          </p:nvPr>
-        </p:nvSpPr>
-        <p:spPr>
-          <a:xfrm>
-            <a:off x="467544" y="980728"/>
-            <a:ext cx="4040188" cy="639762"/>
-          </a:xfrm>
-        </p:spPr>
-        <p:txBody>
-          <a:bodyPr/>
-          <a:lstStyle/>
-          <a:p>
-            <a:pPr algn="ctr"/>
-            <a:r>
-              <a:rPr lang="es-ES" dirty="0" smtClean="0"/>
-              <a:t>PC (x1)</a:t>
-            </a:r>
-            <a:endParaRPr lang="es-ES" dirty="0"/>
-          </a:p>
-        </p:txBody>
-      </p:sp>
-      <p:sp>
-        <p:nvSpPr>
-          <p:cNvPr id="5" name="4 Marcador de contenido"/>
-          <p:cNvSpPr>
-            <a:spLocks noGrp="1"/>
-          </p:cNvSpPr>
-          <p:nvPr>
-            <p:ph sz="half" idx="2"/>
-          </p:nvPr>
-        </p:nvSpPr>
-        <p:spPr>
-          <a:xfrm>
-            <a:off x="457200" y="1700808"/>
-            <a:ext cx="4040188" cy="4425355"/>
-          </a:xfrm>
-        </p:spPr>
-        <p:txBody>
-          <a:bodyPr/>
-          <a:lstStyle/>
-          <a:p>
-            <a:r>
-              <a:rPr lang="es-ES" sz="1800" dirty="0" smtClean="0"/>
-              <a:t>4C/4T @ 4,3GHz Intel </a:t>
-            </a:r>
-            <a:r>
-              <a:rPr lang="es-ES" sz="1800" dirty="0" err="1" smtClean="0"/>
-              <a:t>Core</a:t>
-            </a:r>
-            <a:r>
-              <a:rPr lang="es-ES" sz="1800" dirty="0" smtClean="0"/>
-              <a:t> I5-4430</a:t>
-            </a:r>
-          </a:p>
-          <a:p>
-            <a:r>
-              <a:rPr lang="es-ES" sz="1800" dirty="0" smtClean="0"/>
-              <a:t>8GB RAM</a:t>
-            </a:r>
-          </a:p>
-          <a:p>
-            <a:r>
-              <a:rPr lang="es-ES" sz="1800" dirty="0" smtClean="0"/>
-              <a:t>240GB SSD</a:t>
-            </a:r>
-          </a:p>
-          <a:p>
-            <a:r>
-              <a:rPr lang="es-ES" sz="1800" dirty="0" smtClean="0"/>
-              <a:t>2x Gigabit NIC</a:t>
-            </a:r>
-          </a:p>
-          <a:p>
-            <a:r>
-              <a:rPr lang="es-ES" sz="1800" dirty="0" smtClean="0"/>
-              <a:t>1x 10/100 NIC</a:t>
-            </a:r>
-          </a:p>
-          <a:p>
-            <a:endParaRPr lang="es-ES" dirty="0"/>
-          </a:p>
-          <a:p>
-            <a:endParaRPr lang="es-ES" dirty="0" smtClean="0"/>
-          </a:p>
-          <a:p>
-            <a:r>
-              <a:rPr lang="es-ES" dirty="0" smtClean="0"/>
-              <a:t>1x </a:t>
-            </a:r>
-            <a:r>
-              <a:rPr lang="es-ES" dirty="0" err="1" smtClean="0"/>
-              <a:t>XenServer</a:t>
-            </a:r>
-            <a:endParaRPr lang="es-ES" dirty="0" smtClean="0"/>
-          </a:p>
-          <a:p>
-            <a:r>
-              <a:rPr lang="es-ES" dirty="0" smtClean="0"/>
-              <a:t>2x Nodo web</a:t>
-            </a:r>
-            <a:endParaRPr lang="es-ES" dirty="0"/>
-          </a:p>
-        </p:txBody>
-      </p:sp>
-      <p:sp>
-        <p:nvSpPr>
-          <p:cNvPr id="6" name="5 Marcador de texto"/>
-          <p:cNvSpPr>
-            <a:spLocks noGrp="1"/>
-          </p:cNvSpPr>
-          <p:nvPr>
-            <p:ph type="body" sz="quarter" idx="3"/>
-          </p:nvPr>
-        </p:nvSpPr>
-        <p:spPr>
-          <a:xfrm>
-            <a:off x="4644008" y="980728"/>
-            <a:ext cx="4041775" cy="639762"/>
-          </a:xfrm>
-        </p:spPr>
-        <p:txBody>
-          <a:bodyPr/>
-          <a:lstStyle/>
-          <a:p>
-            <a:pPr algn="ctr"/>
-            <a:r>
-              <a:rPr lang="es-ES" dirty="0" smtClean="0"/>
-              <a:t>Raspberry PI 3B (x2)</a:t>
-            </a:r>
-            <a:endParaRPr lang="es-ES" dirty="0"/>
-          </a:p>
-        </p:txBody>
-      </p:sp>
-      <p:sp>
-        <p:nvSpPr>
-          <p:cNvPr id="7" name="6 Marcador de contenido"/>
-          <p:cNvSpPr>
-            <a:spLocks noGrp="1"/>
-          </p:cNvSpPr>
-          <p:nvPr>
-            <p:ph sz="quarter" idx="4"/>
-          </p:nvPr>
-        </p:nvSpPr>
-        <p:spPr>
-          <a:xfrm>
-            <a:off x="4645025" y="1700808"/>
-            <a:ext cx="4041775" cy="4425355"/>
-          </a:xfrm>
-        </p:spPr>
-        <p:txBody>
-          <a:bodyPr>
-            <a:normAutofit/>
-          </a:bodyPr>
-          <a:lstStyle/>
-          <a:p>
-            <a:r>
-              <a:rPr lang="es-ES" sz="1800" dirty="0" smtClean="0"/>
-              <a:t>4C/4T @ 1,2GHz </a:t>
-            </a:r>
-            <a:r>
-              <a:rPr lang="es-ES" sz="1800" dirty="0"/>
-              <a:t>Broadcom </a:t>
-            </a:r>
-            <a:r>
-              <a:rPr lang="es-ES" sz="1800" dirty="0" smtClean="0"/>
-              <a:t>BCM2837</a:t>
-            </a:r>
-          </a:p>
-          <a:p>
-            <a:r>
-              <a:rPr lang="es-ES" sz="1800" dirty="0" smtClean="0"/>
-              <a:t>1GB RAM</a:t>
-            </a:r>
-          </a:p>
-          <a:p>
-            <a:r>
-              <a:rPr lang="es-ES" sz="1800" dirty="0" smtClean="0"/>
-              <a:t>16GB Flash</a:t>
-            </a:r>
-          </a:p>
-          <a:p>
-            <a:r>
-              <a:rPr lang="es-ES" sz="1800" dirty="0" smtClean="0"/>
-              <a:t>1x 10/100 NIC</a:t>
-            </a:r>
-          </a:p>
-          <a:p>
-            <a:endParaRPr lang="es-ES" sz="1800" dirty="0"/>
-          </a:p>
-          <a:p>
-            <a:endParaRPr lang="es-ES" sz="1800" dirty="0" smtClean="0"/>
-          </a:p>
-          <a:p>
-            <a:endParaRPr lang="es-ES" sz="1800" dirty="0"/>
-          </a:p>
-          <a:p>
-            <a:endParaRPr lang="es-ES" sz="1800" dirty="0" smtClean="0"/>
-          </a:p>
-          <a:p>
-            <a:r>
-              <a:rPr lang="es-ES" dirty="0" smtClean="0"/>
-              <a:t>1x </a:t>
-            </a:r>
-            <a:r>
-              <a:rPr lang="es-ES" dirty="0" err="1" smtClean="0"/>
-              <a:t>LoadBalancer</a:t>
-            </a:r>
-            <a:r>
-              <a:rPr lang="es-ES" dirty="0" smtClean="0"/>
-              <a:t> (</a:t>
-            </a:r>
-            <a:r>
-              <a:rPr lang="es-ES" dirty="0" err="1" smtClean="0"/>
-              <a:t>HAProxy</a:t>
-            </a:r>
-            <a:r>
-              <a:rPr lang="es-ES" dirty="0" smtClean="0"/>
-              <a:t>)</a:t>
-            </a:r>
-          </a:p>
-          <a:p>
-            <a:r>
-              <a:rPr lang="es-ES" dirty="0" smtClean="0"/>
-              <a:t>1x Firewall</a:t>
-            </a:r>
-            <a:endParaRPr lang="es-ES" dirty="0"/>
-          </a:p>
-        </p:txBody>
-      </p:sp>
+      <p:pic>
+        <p:nvPicPr>
+          <p:cNvPr id="7170" name="Picture 2" descr="C:\Users\Angel\Dropbox\Universidad\Tercero\Segundo Cuatri\SWAP\trabajo\images\XEN\4.PNG"/>
+          <p:cNvPicPr>
+            <a:picLocks noChangeAspect="1" noChangeArrowheads="1"/>
+          </p:cNvPicPr>
+          <p:nvPr/>
+        </p:nvPicPr>
+        <p:blipFill>
+          <a:blip r:embed="rId2">
+            <a:extLst>
+              <a:ext uri="{28A0092B-C50C-407E-A947-70E740481C1C}">
+                <a14:useLocalDpi xmlns:a14="http://schemas.microsoft.com/office/drawing/2010/main" val="0"/>
+              </a:ext>
+            </a:extLst>
+          </a:blip>
+          <a:srcRect/>
+          <a:stretch>
+            <a:fillRect/>
+          </a:stretch>
+        </p:blipFill>
+        <p:spPr bwMode="auto">
+          <a:xfrm>
+            <a:off x="323528" y="1484784"/>
+            <a:ext cx="8448589" cy="4689726"/>
+          </a:xfrm>
+          <a:prstGeom prst="rect">
+            <a:avLst/>
+          </a:prstGeom>
+          <a:noFill/>
+          <a:extLst>
+            <a:ext uri="{909E8E84-426E-40DD-AFC4-6F175D3DCCD1}">
+              <a14:hiddenFill xmlns:a14="http://schemas.microsoft.com/office/drawing/2010/main">
+                <a:solidFill>
+                  <a:srgbClr val="FFFFFF"/>
+                </a:solidFill>
+              </a14:hiddenFill>
+            </a:ext>
+          </a:extLst>
+        </p:spPr>
+      </p:pic>
     </p:spTree>
     <p:extLst>
       <p:ext uri="{BB962C8B-B14F-4D97-AF65-F5344CB8AC3E}">
-        <p14:creationId xmlns:p14="http://schemas.microsoft.com/office/powerpoint/2010/main" val="3414586818"/>
+        <p14:creationId xmlns:p14="http://schemas.microsoft.com/office/powerpoint/2010/main" val="3197793675"/>
       </p:ext>
     </p:extLst>
   </p:cSld>
